--- a/0-Presentation.pptx
+++ b/0-Presentation.pptx
@@ -5,7 +5,7 @@
     <p:sldMasterId id="2147483648" r:id="rId1"/>
   </p:sldMasterIdLst>
   <p:notesMasterIdLst>
-    <p:notesMasterId r:id="rId19"/>
+    <p:notesMasterId r:id="rId23"/>
   </p:notesMasterIdLst>
   <p:sldIdLst>
     <p:sldId id="256" r:id="rId2"/>
@@ -25,6 +25,10 @@
     <p:sldId id="275" r:id="rId16"/>
     <p:sldId id="276" r:id="rId17"/>
     <p:sldId id="277" r:id="rId18"/>
+    <p:sldId id="278" r:id="rId19"/>
+    <p:sldId id="280" r:id="rId20"/>
+    <p:sldId id="281" r:id="rId21"/>
+    <p:sldId id="279" r:id="rId22"/>
   </p:sldIdLst>
   <p:sldSz cx="9144000" cy="6858000" type="screen4x3"/>
   <p:notesSz cx="6858000" cy="9144000"/>
@@ -208,7 +212,7 @@
           <a:p>
             <a:fld id="{3412FF5B-17B2-46BE-A50F-B6931F52BC51}" type="datetimeFigureOut">
               <a:rPr lang="en-GB" smtClean="0"/>
-              <a:t>08/09/2025</a:t>
+              <a:t>09/09/2025</a:t>
             </a:fld>
             <a:endParaRPr lang="en-GB"/>
           </a:p>
@@ -657,7 +661,7 @@
           <a:p>
             <a:fld id="{BFF92C62-4B1F-4A79-8303-CC411826923B}" type="datetime1">
               <a:rPr lang="en-GB" smtClean="0"/>
-              <a:t>08/09/2025</a:t>
+              <a:t>09/09/2025</a:t>
             </a:fld>
             <a:endParaRPr lang="en-GB"/>
           </a:p>
@@ -831,7 +835,7 @@
           <a:p>
             <a:fld id="{04496271-495C-4424-828B-6D0FF9217662}" type="datetime1">
               <a:rPr lang="en-GB" smtClean="0"/>
-              <a:t>08/09/2025</a:t>
+              <a:t>09/09/2025</a:t>
             </a:fld>
             <a:endParaRPr lang="en-GB"/>
           </a:p>
@@ -1015,7 +1019,7 @@
           <a:p>
             <a:fld id="{3AB82898-3CBE-421F-B8A8-AB7CF0E31874}" type="datetime1">
               <a:rPr lang="en-GB" smtClean="0"/>
-              <a:t>08/09/2025</a:t>
+              <a:t>09/09/2025</a:t>
             </a:fld>
             <a:endParaRPr lang="en-GB"/>
           </a:p>
@@ -1189,7 +1193,7 @@
           <a:p>
             <a:fld id="{B76EA9ED-964D-45D5-B092-6745BDFC4427}" type="datetime1">
               <a:rPr lang="en-GB" smtClean="0"/>
-              <a:t>08/09/2025</a:t>
+              <a:t>09/09/2025</a:t>
             </a:fld>
             <a:endParaRPr lang="en-GB"/>
           </a:p>
@@ -1439,7 +1443,7 @@
           <a:p>
             <a:fld id="{2FBD2436-8615-469E-AB19-87C1E6572DB8}" type="datetime1">
               <a:rPr lang="en-GB" smtClean="0"/>
-              <a:t>08/09/2025</a:t>
+              <a:t>09/09/2025</a:t>
             </a:fld>
             <a:endParaRPr lang="en-GB"/>
           </a:p>
@@ -1731,7 +1735,7 @@
           <a:p>
             <a:fld id="{4C1AEFCB-A956-41D2-A9CD-33F2150CC44F}" type="datetime1">
               <a:rPr lang="en-GB" smtClean="0"/>
-              <a:t>08/09/2025</a:t>
+              <a:t>09/09/2025</a:t>
             </a:fld>
             <a:endParaRPr lang="en-GB"/>
           </a:p>
@@ -2157,7 +2161,7 @@
           <a:p>
             <a:fld id="{50FE10B3-E82F-42C2-BC00-E4DB9EBEC849}" type="datetime1">
               <a:rPr lang="en-GB" smtClean="0"/>
-              <a:t>08/09/2025</a:t>
+              <a:t>09/09/2025</a:t>
             </a:fld>
             <a:endParaRPr lang="en-GB"/>
           </a:p>
@@ -2279,7 +2283,7 @@
           <a:p>
             <a:fld id="{6FF9CC10-505E-46B7-8910-ABBEA01D6EA9}" type="datetime1">
               <a:rPr lang="en-GB" smtClean="0"/>
-              <a:t>08/09/2025</a:t>
+              <a:t>09/09/2025</a:t>
             </a:fld>
             <a:endParaRPr lang="en-GB"/>
           </a:p>
@@ -2378,7 +2382,7 @@
           <a:p>
             <a:fld id="{FF1BD91C-4C17-44E6-A7AE-0ED51D3229FF}" type="datetime1">
               <a:rPr lang="en-GB" smtClean="0"/>
-              <a:t>08/09/2025</a:t>
+              <a:t>09/09/2025</a:t>
             </a:fld>
             <a:endParaRPr lang="en-GB"/>
           </a:p>
@@ -2659,7 +2663,7 @@
           <a:p>
             <a:fld id="{169B38CB-70D4-4A0A-99AF-EFD86FC037EF}" type="datetime1">
               <a:rPr lang="en-GB" smtClean="0"/>
-              <a:t>08/09/2025</a:t>
+              <a:t>09/09/2025</a:t>
             </a:fld>
             <a:endParaRPr lang="en-GB"/>
           </a:p>
@@ -2916,7 +2920,7 @@
           <a:p>
             <a:fld id="{A270DC96-C982-42C0-9D9D-BD68B00D779A}" type="datetime1">
               <a:rPr lang="en-GB" smtClean="0"/>
-              <a:t>08/09/2025</a:t>
+              <a:t>09/09/2025</a:t>
             </a:fld>
             <a:endParaRPr lang="en-GB"/>
           </a:p>
@@ -2985,9 +2989,19 @@
 <p:sldMaster xmlns:a="http://schemas.openxmlformats.org/drawingml/2006/main" xmlns:r="http://schemas.openxmlformats.org/officeDocument/2006/relationships" xmlns:p="http://schemas.openxmlformats.org/presentationml/2006/main">
   <p:cSld>
     <p:bg>
-      <p:bgRef idx="1001">
-        <a:schemeClr val="bg1"/>
-      </p:bgRef>
+      <p:bgPr>
+        <a:blipFill dpi="0" rotWithShape="1">
+          <a:blip r:embed="rId13">
+            <a:alphaModFix amt="5000"/>
+            <a:lum/>
+          </a:blip>
+          <a:srcRect/>
+          <a:stretch>
+            <a:fillRect l="10000" t="18000" r="10000" b="18000"/>
+          </a:stretch>
+        </a:blipFill>
+        <a:effectLst/>
+      </p:bgPr>
     </p:bg>
     <p:spTree>
       <p:nvGrpSpPr>
@@ -3133,7 +3147,7 @@
           <a:p>
             <a:fld id="{A38B8256-A98F-402E-87D3-2376C02993E3}" type="datetime1">
               <a:rPr lang="en-GB" smtClean="0"/>
-              <a:t>08/09/2025</a:t>
+              <a:t>09/09/2025</a:t>
             </a:fld>
             <a:endParaRPr lang="en-GB"/>
           </a:p>
@@ -3523,7 +3537,12 @@
             <p:ph type="ctrTitle"/>
           </p:nvPr>
         </p:nvSpPr>
-        <p:spPr/>
+        <p:spPr>
+          <a:xfrm>
+            <a:off x="685800" y="2564904"/>
+            <a:ext cx="7772400" cy="1470025"/>
+          </a:xfrm>
+        </p:spPr>
         <p:txBody>
           <a:bodyPr>
             <a:normAutofit/>
@@ -3531,49 +3550,154 @@
           <a:lstStyle/>
           <a:p>
             <a:r>
-              <a:rPr lang="de-DE" sz="4900" b="1" dirty="0" err="1" smtClean="0"/>
+              <a:rPr lang="de-DE" sz="4900" b="1" dirty="0" smtClean="0">
+                <a:effectLst>
+                  <a:outerShdw blurRad="38100" dist="38100" dir="2700000" algn="tl">
+                    <a:srgbClr val="000000">
+                      <a:alpha val="43137"/>
+                    </a:srgbClr>
+                  </a:outerShdw>
+                </a:effectLst>
+                <a:latin typeface="160MKSDAL" panose="00000400000000000000" pitchFamily="2" charset="0"/>
+              </a:rPr>
+              <a:t>Design Pattern </a:t>
+            </a:r>
+            <a:r>
+              <a:rPr lang="de-DE" sz="4900" b="1" dirty="0" err="1" smtClean="0">
+                <a:effectLst>
+                  <a:outerShdw blurRad="38100" dist="38100" dir="2700000" algn="tl">
+                    <a:srgbClr val="000000">
+                      <a:alpha val="43137"/>
+                    </a:srgbClr>
+                  </a:outerShdw>
+                </a:effectLst>
+                <a:latin typeface="160MKSDAL" panose="00000400000000000000" pitchFamily="2" charset="0"/>
+              </a:rPr>
               <a:t>Barcamp</a:t>
             </a:r>
             <a:r>
-              <a:rPr lang="de-DE" dirty="0" smtClean="0"/>
+              <a:rPr lang="de-DE" dirty="0" smtClean="0">
+                <a:effectLst>
+                  <a:outerShdw blurRad="38100" dist="38100" dir="2700000" algn="tl">
+                    <a:srgbClr val="000000">
+                      <a:alpha val="43137"/>
+                    </a:srgbClr>
+                  </a:outerShdw>
+                </a:effectLst>
+              </a:rPr>
               <a:t/>
             </a:r>
             <a:br>
-              <a:rPr lang="de-DE" dirty="0" smtClean="0"/>
+              <a:rPr lang="de-DE" dirty="0" smtClean="0">
+                <a:effectLst>
+                  <a:outerShdw blurRad="38100" dist="38100" dir="2700000" algn="tl">
+                    <a:srgbClr val="000000">
+                      <a:alpha val="43137"/>
+                    </a:srgbClr>
+                  </a:outerShdw>
+                </a:effectLst>
+              </a:rPr>
             </a:br>
             <a:r>
-              <a:rPr lang="de-DE" sz="2800" dirty="0" smtClean="0"/>
+              <a:rPr lang="de-DE" sz="2800" dirty="0" smtClean="0">
+                <a:effectLst>
+                  <a:outerShdw blurRad="38100" dist="38100" dir="2700000" algn="tl">
+                    <a:srgbClr val="000000">
+                      <a:alpha val="43137"/>
+                    </a:srgbClr>
+                  </a:outerShdw>
+                </a:effectLst>
+                <a:latin typeface="160MKSDAL" panose="00000400000000000000" pitchFamily="2" charset="0"/>
+              </a:rPr>
               <a:t>Observer </a:t>
             </a:r>
             <a:r>
-              <a:rPr lang="de-DE" sz="2800" i="1" dirty="0" smtClean="0"/>
+              <a:rPr lang="de-DE" sz="2800" i="1" dirty="0" smtClean="0">
+                <a:effectLst>
+                  <a:outerShdw blurRad="38100" dist="38100" dir="2700000" algn="tl">
+                    <a:srgbClr val="000000">
+                      <a:alpha val="43137"/>
+                    </a:srgbClr>
+                  </a:outerShdw>
+                </a:effectLst>
+                <a:latin typeface="160MKSDAL" panose="00000400000000000000" pitchFamily="2" charset="0"/>
+              </a:rPr>
               <a:t>(</a:t>
             </a:r>
             <a:r>
-              <a:rPr lang="de-DE" sz="2800" i="1" dirty="0" err="1" smtClean="0"/>
+              <a:rPr lang="de-DE" sz="2800" i="1" dirty="0" err="1" smtClean="0">
+                <a:effectLst>
+                  <a:outerShdw blurRad="38100" dist="38100" dir="2700000" algn="tl">
+                    <a:srgbClr val="000000">
+                      <a:alpha val="43137"/>
+                    </a:srgbClr>
+                  </a:outerShdw>
+                </a:effectLst>
+                <a:latin typeface="160MKSDAL" panose="00000400000000000000" pitchFamily="2" charset="0"/>
+              </a:rPr>
               <a:t>Publish</a:t>
             </a:r>
             <a:r>
-              <a:rPr lang="de-DE" sz="2800" i="1" dirty="0" smtClean="0"/>
+              <a:rPr lang="de-DE" sz="2800" i="1" dirty="0" smtClean="0">
+                <a:effectLst>
+                  <a:outerShdw blurRad="38100" dist="38100" dir="2700000" algn="tl">
+                    <a:srgbClr val="000000">
+                      <a:alpha val="43137"/>
+                    </a:srgbClr>
+                  </a:outerShdw>
+                </a:effectLst>
+                <a:latin typeface="160MKSDAL" panose="00000400000000000000" pitchFamily="2" charset="0"/>
+              </a:rPr>
               <a:t> </a:t>
             </a:r>
             <a:r>
-              <a:rPr lang="de-DE" sz="2800" i="1" dirty="0" err="1" smtClean="0"/>
+              <a:rPr lang="de-DE" sz="2800" i="1" dirty="0" err="1" smtClean="0">
+                <a:effectLst>
+                  <a:outerShdw blurRad="38100" dist="38100" dir="2700000" algn="tl">
+                    <a:srgbClr val="000000">
+                      <a:alpha val="43137"/>
+                    </a:srgbClr>
+                  </a:outerShdw>
+                </a:effectLst>
+                <a:latin typeface="160MKSDAL" panose="00000400000000000000" pitchFamily="2" charset="0"/>
+              </a:rPr>
               <a:t>and</a:t>
             </a:r>
             <a:r>
-              <a:rPr lang="de-DE" sz="2800" i="1" dirty="0" smtClean="0"/>
+              <a:rPr lang="de-DE" sz="2800" i="1" dirty="0" smtClean="0">
+                <a:effectLst>
+                  <a:outerShdw blurRad="38100" dist="38100" dir="2700000" algn="tl">
+                    <a:srgbClr val="000000">
+                      <a:alpha val="43137"/>
+                    </a:srgbClr>
+                  </a:outerShdw>
+                </a:effectLst>
+                <a:latin typeface="160MKSDAL" panose="00000400000000000000" pitchFamily="2" charset="0"/>
+              </a:rPr>
               <a:t> </a:t>
             </a:r>
             <a:r>
-              <a:rPr lang="de-DE" sz="2800" i="1" dirty="0" err="1" smtClean="0"/>
+              <a:rPr lang="de-DE" sz="2800" i="1" dirty="0" err="1" smtClean="0">
+                <a:effectLst>
+                  <a:outerShdw blurRad="38100" dist="38100" dir="2700000" algn="tl">
+                    <a:srgbClr val="000000">
+                      <a:alpha val="43137"/>
+                    </a:srgbClr>
+                  </a:outerShdw>
+                </a:effectLst>
+                <a:latin typeface="160MKSDAL" panose="00000400000000000000" pitchFamily="2" charset="0"/>
+              </a:rPr>
               <a:t>subscribe</a:t>
             </a:r>
             <a:r>
-              <a:rPr lang="de-DE" sz="2800" i="1" dirty="0" smtClean="0"/>
+              <a:rPr lang="de-DE" sz="2800" i="1" dirty="0" smtClean="0">
+                <a:latin typeface="160MKSDAL" panose="00000400000000000000" pitchFamily="2" charset="0"/>
+              </a:rPr>
               <a:t>)</a:t>
             </a:r>
-            <a:endParaRPr lang="en-GB" sz="2800" i="1" dirty="0"/>
+            <a:endParaRPr lang="en-GB" sz="2800" i="1" dirty="0">
+              <a:latin typeface="160MKSDAL" panose="00000400000000000000" pitchFamily="2" charset="0"/>
+            </a:endParaRPr>
           </a:p>
         </p:txBody>
       </p:sp>
@@ -3587,7 +3711,12 @@
             <p:ph type="subTitle" idx="1"/>
           </p:nvPr>
         </p:nvSpPr>
-        <p:spPr/>
+        <p:spPr>
+          <a:xfrm>
+            <a:off x="1371600" y="5733256"/>
+            <a:ext cx="6400800" cy="792088"/>
+          </a:xfrm>
+        </p:spPr>
         <p:txBody>
           <a:bodyPr>
             <a:normAutofit/>
@@ -3600,19 +3729,27 @@
               </a:spcBef>
             </a:pPr>
             <a:r>
-              <a:rPr lang="de-DE" sz="1400" dirty="0" err="1" smtClean="0"/>
+              <a:rPr lang="de-DE" sz="1400" dirty="0" err="1" smtClean="0">
+                <a:latin typeface="160MKSDAL" panose="00000400000000000000" pitchFamily="2" charset="0"/>
+              </a:rPr>
               <a:t>Presented</a:t>
             </a:r>
             <a:r>
-              <a:rPr lang="de-DE" sz="1400" dirty="0" smtClean="0"/>
+              <a:rPr lang="de-DE" sz="1400" dirty="0" smtClean="0">
+                <a:latin typeface="160MKSDAL" panose="00000400000000000000" pitchFamily="2" charset="0"/>
+              </a:rPr>
               <a:t> </a:t>
             </a:r>
             <a:r>
-              <a:rPr lang="de-DE" sz="1400" dirty="0" err="1" smtClean="0"/>
+              <a:rPr lang="de-DE" sz="1400" dirty="0" err="1" smtClean="0">
+                <a:latin typeface="160MKSDAL" panose="00000400000000000000" pitchFamily="2" charset="0"/>
+              </a:rPr>
               <a:t>by</a:t>
             </a:r>
             <a:r>
-              <a:rPr lang="de-DE" sz="1400" dirty="0" smtClean="0"/>
+              <a:rPr lang="de-DE" sz="1400" dirty="0" smtClean="0">
+                <a:latin typeface="160MKSDAL" panose="00000400000000000000" pitchFamily="2" charset="0"/>
+              </a:rPr>
               <a:t> </a:t>
             </a:r>
           </a:p>
@@ -3623,10 +3760,14 @@
               </a:spcBef>
             </a:pPr>
             <a:r>
-              <a:rPr lang="de-DE" sz="1800" dirty="0" smtClean="0"/>
+              <a:rPr lang="de-DE" sz="1800" dirty="0" smtClean="0">
+                <a:latin typeface="160MKSDAL" panose="00000400000000000000" pitchFamily="2" charset="0"/>
+              </a:rPr>
               <a:t>Christian Radke</a:t>
             </a:r>
-            <a:endParaRPr lang="en-GB" sz="1800" dirty="0"/>
+            <a:endParaRPr lang="en-GB" sz="1800" dirty="0">
+              <a:latin typeface="160MKSDAL" panose="00000400000000000000" pitchFamily="2" charset="0"/>
+            </a:endParaRPr>
           </a:p>
         </p:txBody>
       </p:sp>
@@ -3684,14 +3825,20 @@
           <a:p>
             <a:pPr algn="l"/>
             <a:r>
-              <a:rPr lang="de-DE" b="1" dirty="0" smtClean="0"/>
+              <a:rPr lang="de-DE" b="1" dirty="0" smtClean="0">
+                <a:latin typeface="160MKSDAL" panose="00000400000000000000" pitchFamily="2" charset="0"/>
+              </a:rPr>
               <a:t>3. Technical </a:t>
             </a:r>
             <a:r>
-              <a:rPr lang="de-DE" b="1" dirty="0" err="1" smtClean="0"/>
+              <a:rPr lang="de-DE" b="1" dirty="0" err="1" smtClean="0">
+                <a:latin typeface="160MKSDAL" panose="00000400000000000000" pitchFamily="2" charset="0"/>
+              </a:rPr>
               <a:t>explanation</a:t>
             </a:r>
-            <a:endParaRPr lang="en-GB" b="1" dirty="0"/>
+            <a:endParaRPr lang="en-GB" b="1" dirty="0">
+              <a:latin typeface="160MKSDAL" panose="00000400000000000000" pitchFamily="2" charset="0"/>
+            </a:endParaRPr>
           </a:p>
         </p:txBody>
       </p:sp>
@@ -3712,7 +3859,7 @@
           <a:p>
             <a:fld id="{B76EA9ED-964D-45D5-B092-6745BDFC4427}" type="datetime1">
               <a:rPr lang="en-GB" smtClean="0"/>
-              <a:t>08/09/2025</a:t>
+              <a:t>09/09/2025</a:t>
             </a:fld>
             <a:endParaRPr lang="en-GB"/>
           </a:p>
@@ -4062,21 +4209,27 @@
             </a:pPr>
             <a:r>
               <a:rPr lang="de-DE" sz="2400" b="1" dirty="0" smtClean="0">
+                <a:latin typeface="160MKSDAL" panose="00000400000000000000" pitchFamily="2" charset="0"/>
                 <a:sym typeface="Wingdings" panose="05000000000000000000" pitchFamily="2" charset="2"/>
               </a:rPr>
               <a:t></a:t>
             </a:r>
             <a:r>
               <a:rPr lang="de-DE" sz="2400" dirty="0" smtClean="0">
+                <a:latin typeface="160MKSDAL" panose="00000400000000000000" pitchFamily="2" charset="0"/>
                 <a:sym typeface="Wingdings" panose="05000000000000000000" pitchFamily="2" charset="2"/>
               </a:rPr>
               <a:t> </a:t>
             </a:r>
             <a:r>
-              <a:rPr lang="de-DE" sz="2400" b="1" dirty="0" err="1" smtClean="0"/>
+              <a:rPr lang="de-DE" sz="2400" b="1" dirty="0" err="1" smtClean="0">
+                <a:latin typeface="160MKSDAL" panose="00000400000000000000" pitchFamily="2" charset="0"/>
+              </a:rPr>
               <a:t>Classes</a:t>
             </a:r>
-            <a:endParaRPr lang="de-DE" sz="2400" b="1" dirty="0" smtClean="0"/>
+            <a:endParaRPr lang="de-DE" sz="2400" b="1" dirty="0" smtClean="0">
+              <a:latin typeface="160MKSDAL" panose="00000400000000000000" pitchFamily="2" charset="0"/>
+            </a:endParaRPr>
           </a:p>
         </p:txBody>
       </p:sp>
@@ -4409,14 +4562,20 @@
           <a:p>
             <a:pPr algn="l"/>
             <a:r>
-              <a:rPr lang="de-DE" b="1" dirty="0" smtClean="0"/>
+              <a:rPr lang="de-DE" b="1" dirty="0" smtClean="0">
+                <a:latin typeface="160MKSDAL" panose="00000400000000000000" pitchFamily="2" charset="0"/>
+              </a:rPr>
               <a:t>3. Technical </a:t>
             </a:r>
             <a:r>
-              <a:rPr lang="de-DE" b="1" dirty="0" err="1" smtClean="0"/>
+              <a:rPr lang="de-DE" b="1" dirty="0" err="1" smtClean="0">
+                <a:latin typeface="160MKSDAL" panose="00000400000000000000" pitchFamily="2" charset="0"/>
+              </a:rPr>
               <a:t>explanation</a:t>
             </a:r>
-            <a:endParaRPr lang="en-GB" b="1" dirty="0"/>
+            <a:endParaRPr lang="en-GB" b="1" dirty="0">
+              <a:latin typeface="160MKSDAL" panose="00000400000000000000" pitchFamily="2" charset="0"/>
+            </a:endParaRPr>
           </a:p>
         </p:txBody>
       </p:sp>
@@ -4437,7 +4596,7 @@
           <a:p>
             <a:fld id="{B76EA9ED-964D-45D5-B092-6745BDFC4427}" type="datetime1">
               <a:rPr lang="en-GB" smtClean="0"/>
-              <a:t>08/09/2025</a:t>
+              <a:t>09/09/2025</a:t>
             </a:fld>
             <a:endParaRPr lang="en-GB"/>
           </a:p>
@@ -4746,6 +4905,7 @@
                     <a:lumMod val="65000"/>
                   </a:schemeClr>
                 </a:solidFill>
+                <a:latin typeface="160MKSDAL" panose="00000400000000000000" pitchFamily="2" charset="0"/>
                 <a:sym typeface="Wingdings" panose="05000000000000000000" pitchFamily="2" charset="2"/>
               </a:rPr>
               <a:t> </a:t>
@@ -4757,6 +4917,7 @@
                     <a:lumMod val="65000"/>
                   </a:schemeClr>
                 </a:solidFill>
+                <a:latin typeface="160MKSDAL" panose="00000400000000000000" pitchFamily="2" charset="0"/>
               </a:rPr>
               <a:t>Classes</a:t>
             </a:r>
@@ -4767,22 +4928,27 @@
                     <a:lumMod val="65000"/>
                   </a:schemeClr>
                 </a:solidFill>
+                <a:latin typeface="160MKSDAL" panose="00000400000000000000" pitchFamily="2" charset="0"/>
               </a:rPr>
               <a:t> </a:t>
             </a:r>
             <a:r>
               <a:rPr lang="de-DE" sz="2400" b="1" dirty="0" smtClean="0">
+                <a:latin typeface="160MKSDAL" panose="00000400000000000000" pitchFamily="2" charset="0"/>
                 <a:sym typeface="Wingdings" panose="05000000000000000000" pitchFamily="2" charset="2"/>
               </a:rPr>
               <a:t> </a:t>
             </a:r>
             <a:r>
               <a:rPr lang="de-DE" sz="2400" b="1" dirty="0" err="1" smtClean="0">
+                <a:latin typeface="160MKSDAL" panose="00000400000000000000" pitchFamily="2" charset="0"/>
                 <a:sym typeface="Wingdings" panose="05000000000000000000" pitchFamily="2" charset="2"/>
               </a:rPr>
               <a:t>Subscribing</a:t>
             </a:r>
-            <a:endParaRPr lang="de-DE" sz="2400" b="1" dirty="0" smtClean="0"/>
+            <a:endParaRPr lang="de-DE" sz="2400" b="1" dirty="0" smtClean="0">
+              <a:latin typeface="160MKSDAL" panose="00000400000000000000" pitchFamily="2" charset="0"/>
+            </a:endParaRPr>
           </a:p>
         </p:txBody>
       </p:sp>
@@ -4842,13 +5008,13 @@
   <p:clrMapOvr>
     <a:masterClrMapping/>
   </p:clrMapOvr>
-  <mc:AlternateContent xmlns:mc="http://schemas.openxmlformats.org/markup-compatibility/2006">
-    <mc:Choice xmlns:p14="http://schemas.microsoft.com/office/powerpoint/2010/main" Requires="p14">
+  <mc:AlternateContent xmlns:mc="http://schemas.openxmlformats.org/markup-compatibility/2006" xmlns:p14="http://schemas.microsoft.com/office/powerpoint/2010/main">
+    <mc:Choice Requires="p14">
       <p:transition spd="med" p14:dur="700">
         <p:fade/>
       </p:transition>
     </mc:Choice>
-    <mc:Fallback>
+    <mc:Fallback xmlns="">
       <p:transition spd="med">
         <p:fade/>
       </p:transition>
@@ -4898,14 +5064,20 @@
           <a:p>
             <a:pPr algn="l"/>
             <a:r>
-              <a:rPr lang="de-DE" b="1" dirty="0" smtClean="0"/>
+              <a:rPr lang="de-DE" b="1" dirty="0" smtClean="0">
+                <a:latin typeface="160MKSDAL" panose="00000400000000000000" pitchFamily="2" charset="0"/>
+              </a:rPr>
               <a:t>3. Technical </a:t>
             </a:r>
             <a:r>
-              <a:rPr lang="de-DE" b="1" dirty="0" err="1" smtClean="0"/>
+              <a:rPr lang="de-DE" b="1" dirty="0" err="1" smtClean="0">
+                <a:latin typeface="160MKSDAL" panose="00000400000000000000" pitchFamily="2" charset="0"/>
+              </a:rPr>
               <a:t>explanation</a:t>
             </a:r>
-            <a:endParaRPr lang="en-GB" b="1" dirty="0"/>
+            <a:endParaRPr lang="en-GB" b="1" dirty="0">
+              <a:latin typeface="160MKSDAL" panose="00000400000000000000" pitchFamily="2" charset="0"/>
+            </a:endParaRPr>
           </a:p>
         </p:txBody>
       </p:sp>
@@ -4926,7 +5098,7 @@
           <a:p>
             <a:fld id="{B76EA9ED-964D-45D5-B092-6745BDFC4427}" type="datetime1">
               <a:rPr lang="en-GB" smtClean="0"/>
-              <a:t>08/09/2025</a:t>
+              <a:t>09/09/2025</a:t>
             </a:fld>
             <a:endParaRPr lang="en-GB"/>
           </a:p>
@@ -5189,6 +5361,7 @@
                     <a:lumMod val="65000"/>
                   </a:schemeClr>
                 </a:solidFill>
+                <a:latin typeface="160MKSDAL" panose="00000400000000000000" pitchFamily="2" charset="0"/>
                 <a:sym typeface="Wingdings" panose="05000000000000000000" pitchFamily="2" charset="2"/>
               </a:rPr>
               <a:t> </a:t>
@@ -5200,6 +5373,7 @@
                     <a:lumMod val="65000"/>
                   </a:schemeClr>
                 </a:solidFill>
+                <a:latin typeface="160MKSDAL" panose="00000400000000000000" pitchFamily="2" charset="0"/>
               </a:rPr>
               <a:t>Classes</a:t>
             </a:r>
@@ -5210,22 +5384,27 @@
                     <a:lumMod val="65000"/>
                   </a:schemeClr>
                 </a:solidFill>
+                <a:latin typeface="160MKSDAL" panose="00000400000000000000" pitchFamily="2" charset="0"/>
               </a:rPr>
               <a:t> </a:t>
             </a:r>
             <a:r>
               <a:rPr lang="de-DE" sz="2400" b="1" dirty="0" smtClean="0">
+                <a:latin typeface="160MKSDAL" panose="00000400000000000000" pitchFamily="2" charset="0"/>
                 <a:sym typeface="Wingdings" panose="05000000000000000000" pitchFamily="2" charset="2"/>
               </a:rPr>
               <a:t> </a:t>
             </a:r>
             <a:r>
               <a:rPr lang="de-DE" sz="2400" b="1" dirty="0" err="1" smtClean="0">
+                <a:latin typeface="160MKSDAL" panose="00000400000000000000" pitchFamily="2" charset="0"/>
                 <a:sym typeface="Wingdings" panose="05000000000000000000" pitchFamily="2" charset="2"/>
               </a:rPr>
               <a:t>Subscribing</a:t>
             </a:r>
-            <a:endParaRPr lang="de-DE" sz="2400" b="1" dirty="0" smtClean="0"/>
+            <a:endParaRPr lang="de-DE" sz="2400" b="1" dirty="0" smtClean="0">
+              <a:latin typeface="160MKSDAL" panose="00000400000000000000" pitchFamily="2" charset="0"/>
+            </a:endParaRPr>
           </a:p>
         </p:txBody>
       </p:sp>
@@ -5285,13 +5464,13 @@
   <p:clrMapOvr>
     <a:masterClrMapping/>
   </p:clrMapOvr>
-  <mc:AlternateContent xmlns:mc="http://schemas.openxmlformats.org/markup-compatibility/2006">
-    <mc:Choice xmlns:p14="http://schemas.microsoft.com/office/powerpoint/2010/main" Requires="p14">
+  <mc:AlternateContent xmlns:mc="http://schemas.openxmlformats.org/markup-compatibility/2006" xmlns:p14="http://schemas.microsoft.com/office/powerpoint/2010/main">
+    <mc:Choice Requires="p14">
       <p:transition spd="med" p14:dur="700">
         <p:fade/>
       </p:transition>
     </mc:Choice>
-    <mc:Fallback>
+    <mc:Fallback xmlns="">
       <p:transition spd="med">
         <p:fade/>
       </p:transition>
@@ -5341,14 +5520,20 @@
           <a:p>
             <a:pPr algn="l"/>
             <a:r>
-              <a:rPr lang="de-DE" b="1" dirty="0" smtClean="0"/>
+              <a:rPr lang="de-DE" b="1" dirty="0" smtClean="0">
+                <a:latin typeface="160MKSDAL" panose="00000400000000000000" pitchFamily="2" charset="0"/>
+              </a:rPr>
               <a:t>3. Technical </a:t>
             </a:r>
             <a:r>
-              <a:rPr lang="de-DE" b="1" dirty="0" err="1" smtClean="0"/>
+              <a:rPr lang="de-DE" b="1" dirty="0" err="1" smtClean="0">
+                <a:latin typeface="160MKSDAL" panose="00000400000000000000" pitchFamily="2" charset="0"/>
+              </a:rPr>
               <a:t>explanation</a:t>
             </a:r>
-            <a:endParaRPr lang="en-GB" b="1" dirty="0"/>
+            <a:endParaRPr lang="en-GB" b="1" dirty="0">
+              <a:latin typeface="160MKSDAL" panose="00000400000000000000" pitchFamily="2" charset="0"/>
+            </a:endParaRPr>
           </a:p>
         </p:txBody>
       </p:sp>
@@ -5369,7 +5554,7 @@
           <a:p>
             <a:fld id="{B76EA9ED-964D-45D5-B092-6745BDFC4427}" type="datetime1">
               <a:rPr lang="en-GB" smtClean="0"/>
-              <a:t>08/09/2025</a:t>
+              <a:t>09/09/2025</a:t>
             </a:fld>
             <a:endParaRPr lang="en-GB"/>
           </a:p>
@@ -5632,6 +5817,7 @@
                     <a:lumMod val="75000"/>
                   </a:schemeClr>
                 </a:solidFill>
+                <a:latin typeface="160MKSDAL" panose="00000400000000000000" pitchFamily="2" charset="0"/>
                 <a:sym typeface="Wingdings" panose="05000000000000000000" pitchFamily="2" charset="2"/>
               </a:rPr>
               <a:t> </a:t>
@@ -5643,6 +5829,7 @@
                     <a:lumMod val="75000"/>
                   </a:schemeClr>
                 </a:solidFill>
+                <a:latin typeface="160MKSDAL" panose="00000400000000000000" pitchFamily="2" charset="0"/>
               </a:rPr>
               <a:t>Classes</a:t>
             </a:r>
@@ -5653,6 +5840,7 @@
                     <a:lumMod val="75000"/>
                   </a:schemeClr>
                 </a:solidFill>
+                <a:latin typeface="160MKSDAL" panose="00000400000000000000" pitchFamily="2" charset="0"/>
               </a:rPr>
               <a:t> </a:t>
             </a:r>
@@ -5663,6 +5851,7 @@
                     <a:lumMod val="65000"/>
                   </a:schemeClr>
                 </a:solidFill>
+                <a:latin typeface="160MKSDAL" panose="00000400000000000000" pitchFamily="2" charset="0"/>
                 <a:sym typeface="Wingdings" panose="05000000000000000000" pitchFamily="2" charset="2"/>
               </a:rPr>
               <a:t> </a:t>
@@ -5674,6 +5863,7 @@
                     <a:lumMod val="65000"/>
                   </a:schemeClr>
                 </a:solidFill>
+                <a:latin typeface="160MKSDAL" panose="00000400000000000000" pitchFamily="2" charset="0"/>
                 <a:sym typeface="Wingdings" panose="05000000000000000000" pitchFamily="2" charset="2"/>
               </a:rPr>
               <a:t>Subscribing</a:t>
@@ -5685,17 +5875,21 @@
                     <a:lumMod val="65000"/>
                   </a:schemeClr>
                 </a:solidFill>
+                <a:latin typeface="160MKSDAL" panose="00000400000000000000" pitchFamily="2" charset="0"/>
                 <a:sym typeface="Wingdings" panose="05000000000000000000" pitchFamily="2" charset="2"/>
               </a:rPr>
               <a:t> </a:t>
             </a:r>
             <a:r>
               <a:rPr lang="de-DE" sz="2400" b="1" dirty="0" smtClean="0">
+                <a:latin typeface="160MKSDAL" panose="00000400000000000000" pitchFamily="2" charset="0"/>
                 <a:sym typeface="Wingdings" panose="05000000000000000000" pitchFamily="2" charset="2"/>
               </a:rPr>
               <a:t> Interface</a:t>
             </a:r>
-            <a:endParaRPr lang="de-DE" sz="2400" b="1" dirty="0" smtClean="0"/>
+            <a:endParaRPr lang="de-DE" sz="2400" b="1" dirty="0" smtClean="0">
+              <a:latin typeface="160MKSDAL" panose="00000400000000000000" pitchFamily="2" charset="0"/>
+            </a:endParaRPr>
           </a:p>
         </p:txBody>
       </p:sp>
@@ -5801,13 +5995,13 @@
   <p:clrMapOvr>
     <a:masterClrMapping/>
   </p:clrMapOvr>
-  <mc:AlternateContent xmlns:mc="http://schemas.openxmlformats.org/markup-compatibility/2006">
-    <mc:Choice xmlns:p14="http://schemas.microsoft.com/office/powerpoint/2010/main" Requires="p14">
+  <mc:AlternateContent xmlns:mc="http://schemas.openxmlformats.org/markup-compatibility/2006" xmlns:p14="http://schemas.microsoft.com/office/powerpoint/2010/main">
+    <mc:Choice Requires="p14">
       <p:transition spd="med" p14:dur="700">
         <p:fade/>
       </p:transition>
     </mc:Choice>
-    <mc:Fallback>
+    <mc:Fallback xmlns="">
       <p:transition spd="med">
         <p:fade/>
       </p:transition>
@@ -5857,14 +6051,20 @@
           <a:p>
             <a:pPr algn="l"/>
             <a:r>
-              <a:rPr lang="de-DE" b="1" dirty="0" smtClean="0"/>
+              <a:rPr lang="de-DE" b="1" dirty="0" smtClean="0">
+                <a:latin typeface="160MKSDAL" panose="00000400000000000000" pitchFamily="2" charset="0"/>
+              </a:rPr>
               <a:t>3. Technical </a:t>
             </a:r>
             <a:r>
-              <a:rPr lang="de-DE" b="1" dirty="0" err="1" smtClean="0"/>
+              <a:rPr lang="de-DE" b="1" dirty="0" err="1" smtClean="0">
+                <a:latin typeface="160MKSDAL" panose="00000400000000000000" pitchFamily="2" charset="0"/>
+              </a:rPr>
               <a:t>explanation</a:t>
             </a:r>
-            <a:endParaRPr lang="en-GB" b="1" dirty="0"/>
+            <a:endParaRPr lang="en-GB" b="1" dirty="0">
+              <a:latin typeface="160MKSDAL" panose="00000400000000000000" pitchFamily="2" charset="0"/>
+            </a:endParaRPr>
           </a:p>
         </p:txBody>
       </p:sp>
@@ -5885,7 +6085,7 @@
           <a:p>
             <a:fld id="{B76EA9ED-964D-45D5-B092-6745BDFC4427}" type="datetime1">
               <a:rPr lang="en-GB" smtClean="0"/>
-              <a:t>08/09/2025</a:t>
+              <a:t>09/09/2025</a:t>
             </a:fld>
             <a:endParaRPr lang="en-GB"/>
           </a:p>
@@ -6102,6 +6302,7 @@
                     <a:lumMod val="85000"/>
                   </a:schemeClr>
                 </a:solidFill>
+                <a:latin typeface="160MKSDAL" panose="00000400000000000000" pitchFamily="2" charset="0"/>
                 <a:sym typeface="Wingdings" panose="05000000000000000000" pitchFamily="2" charset="2"/>
               </a:rPr>
               <a:t> </a:t>
@@ -6113,6 +6314,7 @@
                     <a:lumMod val="85000"/>
                   </a:schemeClr>
                 </a:solidFill>
+                <a:latin typeface="160MKSDAL" panose="00000400000000000000" pitchFamily="2" charset="0"/>
               </a:rPr>
               <a:t>Classes</a:t>
             </a:r>
@@ -6123,6 +6325,7 @@
                     <a:lumMod val="85000"/>
                   </a:schemeClr>
                 </a:solidFill>
+                <a:latin typeface="160MKSDAL" panose="00000400000000000000" pitchFamily="2" charset="0"/>
               </a:rPr>
               <a:t> </a:t>
             </a:r>
@@ -6133,6 +6336,7 @@
                     <a:lumMod val="75000"/>
                   </a:schemeClr>
                 </a:solidFill>
+                <a:latin typeface="160MKSDAL" panose="00000400000000000000" pitchFamily="2" charset="0"/>
                 <a:sym typeface="Wingdings" panose="05000000000000000000" pitchFamily="2" charset="2"/>
               </a:rPr>
               <a:t> </a:t>
@@ -6144,6 +6348,7 @@
                     <a:lumMod val="75000"/>
                   </a:schemeClr>
                 </a:solidFill>
+                <a:latin typeface="160MKSDAL" panose="00000400000000000000" pitchFamily="2" charset="0"/>
                 <a:sym typeface="Wingdings" panose="05000000000000000000" pitchFamily="2" charset="2"/>
               </a:rPr>
               <a:t>Subscribing</a:t>
@@ -6155,6 +6360,7 @@
                     <a:lumMod val="75000"/>
                   </a:schemeClr>
                 </a:solidFill>
+                <a:latin typeface="160MKSDAL" panose="00000400000000000000" pitchFamily="2" charset="0"/>
                 <a:sym typeface="Wingdings" panose="05000000000000000000" pitchFamily="2" charset="2"/>
               </a:rPr>
               <a:t> </a:t>
@@ -6166,23 +6372,28 @@
                     <a:lumMod val="65000"/>
                   </a:schemeClr>
                 </a:solidFill>
+                <a:latin typeface="160MKSDAL" panose="00000400000000000000" pitchFamily="2" charset="0"/>
                 <a:sym typeface="Wingdings" panose="05000000000000000000" pitchFamily="2" charset="2"/>
               </a:rPr>
               <a:t> Interface </a:t>
             </a:r>
             <a:r>
               <a:rPr lang="de-DE" sz="2400" b="1" dirty="0" smtClean="0">
+                <a:latin typeface="160MKSDAL" panose="00000400000000000000" pitchFamily="2" charset="0"/>
                 <a:sym typeface="Wingdings" panose="05000000000000000000" pitchFamily="2" charset="2"/>
               </a:rPr>
               <a:t> Update </a:t>
             </a:r>
             <a:r>
               <a:rPr lang="de-DE" sz="2400" b="1" dirty="0" err="1" smtClean="0">
+                <a:latin typeface="160MKSDAL" panose="00000400000000000000" pitchFamily="2" charset="0"/>
                 <a:sym typeface="Wingdings" panose="05000000000000000000" pitchFamily="2" charset="2"/>
               </a:rPr>
               <a:t>logic</a:t>
             </a:r>
-            <a:endParaRPr lang="de-DE" sz="2400" b="1" dirty="0" smtClean="0"/>
+            <a:endParaRPr lang="de-DE" sz="2400" b="1" dirty="0" smtClean="0">
+              <a:latin typeface="160MKSDAL" panose="00000400000000000000" pitchFamily="2" charset="0"/>
+            </a:endParaRPr>
           </a:p>
         </p:txBody>
       </p:sp>
@@ -6242,13 +6453,13 @@
   <p:clrMapOvr>
     <a:masterClrMapping/>
   </p:clrMapOvr>
-  <mc:AlternateContent xmlns:mc="http://schemas.openxmlformats.org/markup-compatibility/2006">
-    <mc:Choice xmlns:p14="http://schemas.microsoft.com/office/powerpoint/2010/main" Requires="p14">
+  <mc:AlternateContent xmlns:mc="http://schemas.openxmlformats.org/markup-compatibility/2006" xmlns:p14="http://schemas.microsoft.com/office/powerpoint/2010/main">
+    <mc:Choice Requires="p14">
       <p:transition spd="med" p14:dur="700">
         <p:fade/>
       </p:transition>
     </mc:Choice>
-    <mc:Fallback>
+    <mc:Fallback xmlns="">
       <p:transition spd="med">
         <p:fade/>
       </p:transition>
@@ -6298,14 +6509,20 @@
           <a:p>
             <a:pPr algn="l"/>
             <a:r>
-              <a:rPr lang="de-DE" b="1" dirty="0" smtClean="0"/>
+              <a:rPr lang="de-DE" b="1" dirty="0" smtClean="0">
+                <a:latin typeface="160MKSDAL" panose="00000400000000000000" pitchFamily="2" charset="0"/>
+              </a:rPr>
               <a:t>3. Technical </a:t>
             </a:r>
             <a:r>
-              <a:rPr lang="de-DE" b="1" dirty="0" err="1" smtClean="0"/>
+              <a:rPr lang="de-DE" b="1" dirty="0" err="1" smtClean="0">
+                <a:latin typeface="160MKSDAL" panose="00000400000000000000" pitchFamily="2" charset="0"/>
+              </a:rPr>
               <a:t>explanation</a:t>
             </a:r>
-            <a:endParaRPr lang="en-GB" b="1" dirty="0"/>
+            <a:endParaRPr lang="en-GB" b="1" dirty="0">
+              <a:latin typeface="160MKSDAL" panose="00000400000000000000" pitchFamily="2" charset="0"/>
+            </a:endParaRPr>
           </a:p>
         </p:txBody>
       </p:sp>
@@ -6326,7 +6543,7 @@
           <a:p>
             <a:fld id="{B76EA9ED-964D-45D5-B092-6745BDFC4427}" type="datetime1">
               <a:rPr lang="en-GB" smtClean="0"/>
-              <a:t>08/09/2025</a:t>
+              <a:t>09/09/2025</a:t>
             </a:fld>
             <a:endParaRPr lang="en-GB"/>
           </a:p>
@@ -6497,6 +6714,7 @@
                     <a:lumMod val="85000"/>
                   </a:schemeClr>
                 </a:solidFill>
+                <a:latin typeface="160MKSDAL" panose="00000400000000000000" pitchFamily="2" charset="0"/>
                 <a:sym typeface="Wingdings" panose="05000000000000000000" pitchFamily="2" charset="2"/>
               </a:rPr>
               <a:t> </a:t>
@@ -6508,6 +6726,7 @@
                     <a:lumMod val="85000"/>
                   </a:schemeClr>
                 </a:solidFill>
+                <a:latin typeface="160MKSDAL" panose="00000400000000000000" pitchFamily="2" charset="0"/>
               </a:rPr>
               <a:t>Classes</a:t>
             </a:r>
@@ -6518,6 +6737,7 @@
                     <a:lumMod val="85000"/>
                   </a:schemeClr>
                 </a:solidFill>
+                <a:latin typeface="160MKSDAL" panose="00000400000000000000" pitchFamily="2" charset="0"/>
               </a:rPr>
               <a:t> </a:t>
             </a:r>
@@ -6528,6 +6748,7 @@
                     <a:lumMod val="75000"/>
                   </a:schemeClr>
                 </a:solidFill>
+                <a:latin typeface="160MKSDAL" panose="00000400000000000000" pitchFamily="2" charset="0"/>
                 <a:sym typeface="Wingdings" panose="05000000000000000000" pitchFamily="2" charset="2"/>
               </a:rPr>
               <a:t> </a:t>
@@ -6539,6 +6760,7 @@
                     <a:lumMod val="75000"/>
                   </a:schemeClr>
                 </a:solidFill>
+                <a:latin typeface="160MKSDAL" panose="00000400000000000000" pitchFamily="2" charset="0"/>
                 <a:sym typeface="Wingdings" panose="05000000000000000000" pitchFamily="2" charset="2"/>
               </a:rPr>
               <a:t>Subscribing</a:t>
@@ -6550,6 +6772,7 @@
                     <a:lumMod val="75000"/>
                   </a:schemeClr>
                 </a:solidFill>
+                <a:latin typeface="160MKSDAL" panose="00000400000000000000" pitchFamily="2" charset="0"/>
                 <a:sym typeface="Wingdings" panose="05000000000000000000" pitchFamily="2" charset="2"/>
               </a:rPr>
               <a:t> </a:t>
@@ -6561,23 +6784,28 @@
                     <a:lumMod val="65000"/>
                   </a:schemeClr>
                 </a:solidFill>
+                <a:latin typeface="160MKSDAL" panose="00000400000000000000" pitchFamily="2" charset="0"/>
                 <a:sym typeface="Wingdings" panose="05000000000000000000" pitchFamily="2" charset="2"/>
               </a:rPr>
               <a:t> Interface </a:t>
             </a:r>
             <a:r>
               <a:rPr lang="de-DE" sz="2400" b="1" dirty="0" smtClean="0">
+                <a:latin typeface="160MKSDAL" panose="00000400000000000000" pitchFamily="2" charset="0"/>
                 <a:sym typeface="Wingdings" panose="05000000000000000000" pitchFamily="2" charset="2"/>
               </a:rPr>
               <a:t> Update </a:t>
             </a:r>
             <a:r>
               <a:rPr lang="de-DE" sz="2400" b="1" dirty="0" err="1" smtClean="0">
+                <a:latin typeface="160MKSDAL" panose="00000400000000000000" pitchFamily="2" charset="0"/>
                 <a:sym typeface="Wingdings" panose="05000000000000000000" pitchFamily="2" charset="2"/>
               </a:rPr>
               <a:t>logic</a:t>
             </a:r>
-            <a:endParaRPr lang="de-DE" sz="2400" b="1" dirty="0" smtClean="0"/>
+            <a:endParaRPr lang="de-DE" sz="2400" b="1" dirty="0" smtClean="0">
+              <a:latin typeface="160MKSDAL" panose="00000400000000000000" pitchFamily="2" charset="0"/>
+            </a:endParaRPr>
           </a:p>
         </p:txBody>
       </p:sp>
@@ -6591,13 +6819,13 @@
   <p:clrMapOvr>
     <a:masterClrMapping/>
   </p:clrMapOvr>
-  <mc:AlternateContent xmlns:mc="http://schemas.openxmlformats.org/markup-compatibility/2006">
-    <mc:Choice xmlns:p14="http://schemas.microsoft.com/office/powerpoint/2010/main" Requires="p14">
+  <mc:AlternateContent xmlns:mc="http://schemas.openxmlformats.org/markup-compatibility/2006" xmlns:p14="http://schemas.microsoft.com/office/powerpoint/2010/main">
+    <mc:Choice Requires="p14">
       <p:transition spd="med" p14:dur="700">
         <p:fade/>
       </p:transition>
     </mc:Choice>
-    <mc:Fallback>
+    <mc:Fallback xmlns="">
       <p:transition spd="med">
         <p:fade/>
       </p:transition>
@@ -6647,14 +6875,20 @@
           <a:p>
             <a:pPr algn="l"/>
             <a:r>
-              <a:rPr lang="de-DE" b="1" dirty="0" smtClean="0"/>
+              <a:rPr lang="de-DE" b="1" dirty="0" smtClean="0">
+                <a:latin typeface="160MKSDAL" panose="00000400000000000000" pitchFamily="2" charset="0"/>
+              </a:rPr>
               <a:t>3. Technical </a:t>
             </a:r>
             <a:r>
-              <a:rPr lang="de-DE" b="1" dirty="0" err="1" smtClean="0"/>
+              <a:rPr lang="de-DE" b="1" dirty="0" err="1" smtClean="0">
+                <a:latin typeface="160MKSDAL" panose="00000400000000000000" pitchFamily="2" charset="0"/>
+              </a:rPr>
               <a:t>explanation</a:t>
             </a:r>
-            <a:endParaRPr lang="en-GB" b="1" dirty="0"/>
+            <a:endParaRPr lang="en-GB" b="1" dirty="0">
+              <a:latin typeface="160MKSDAL" panose="00000400000000000000" pitchFamily="2" charset="0"/>
+            </a:endParaRPr>
           </a:p>
         </p:txBody>
       </p:sp>
@@ -6675,7 +6909,7 @@
           <a:p>
             <a:fld id="{B76EA9ED-964D-45D5-B092-6745BDFC4427}" type="datetime1">
               <a:rPr lang="en-GB" smtClean="0"/>
-              <a:t>08/09/2025</a:t>
+              <a:t>09/09/2025</a:t>
             </a:fld>
             <a:endParaRPr lang="en-GB"/>
           </a:p>
@@ -6800,6 +7034,7 @@
                     <a:lumMod val="85000"/>
                   </a:schemeClr>
                 </a:solidFill>
+                <a:latin typeface="160MKSDAL" panose="00000400000000000000" pitchFamily="2" charset="0"/>
                 <a:sym typeface="Wingdings" panose="05000000000000000000" pitchFamily="2" charset="2"/>
               </a:rPr>
               <a:t> </a:t>
@@ -6811,6 +7046,7 @@
                     <a:lumMod val="85000"/>
                   </a:schemeClr>
                 </a:solidFill>
+                <a:latin typeface="160MKSDAL" panose="00000400000000000000" pitchFamily="2" charset="0"/>
               </a:rPr>
               <a:t>Classes</a:t>
             </a:r>
@@ -6821,6 +7057,7 @@
                     <a:lumMod val="85000"/>
                   </a:schemeClr>
                 </a:solidFill>
+                <a:latin typeface="160MKSDAL" panose="00000400000000000000" pitchFamily="2" charset="0"/>
               </a:rPr>
               <a:t> </a:t>
             </a:r>
@@ -6831,6 +7068,7 @@
                     <a:lumMod val="75000"/>
                   </a:schemeClr>
                 </a:solidFill>
+                <a:latin typeface="160MKSDAL" panose="00000400000000000000" pitchFamily="2" charset="0"/>
                 <a:sym typeface="Wingdings" panose="05000000000000000000" pitchFamily="2" charset="2"/>
               </a:rPr>
               <a:t> </a:t>
@@ -6842,6 +7080,7 @@
                     <a:lumMod val="75000"/>
                   </a:schemeClr>
                 </a:solidFill>
+                <a:latin typeface="160MKSDAL" panose="00000400000000000000" pitchFamily="2" charset="0"/>
                 <a:sym typeface="Wingdings" panose="05000000000000000000" pitchFamily="2" charset="2"/>
               </a:rPr>
               <a:t>Subscribing</a:t>
@@ -6853,6 +7092,7 @@
                     <a:lumMod val="75000"/>
                   </a:schemeClr>
                 </a:solidFill>
+                <a:latin typeface="160MKSDAL" panose="00000400000000000000" pitchFamily="2" charset="0"/>
                 <a:sym typeface="Wingdings" panose="05000000000000000000" pitchFamily="2" charset="2"/>
               </a:rPr>
               <a:t> </a:t>
@@ -6864,23 +7104,28 @@
                     <a:lumMod val="65000"/>
                   </a:schemeClr>
                 </a:solidFill>
+                <a:latin typeface="160MKSDAL" panose="00000400000000000000" pitchFamily="2" charset="0"/>
                 <a:sym typeface="Wingdings" panose="05000000000000000000" pitchFamily="2" charset="2"/>
               </a:rPr>
               <a:t> Interface </a:t>
             </a:r>
             <a:r>
               <a:rPr lang="de-DE" sz="2400" b="1" dirty="0" smtClean="0">
+                <a:latin typeface="160MKSDAL" panose="00000400000000000000" pitchFamily="2" charset="0"/>
                 <a:sym typeface="Wingdings" panose="05000000000000000000" pitchFamily="2" charset="2"/>
               </a:rPr>
               <a:t> Update </a:t>
             </a:r>
             <a:r>
               <a:rPr lang="de-DE" sz="2400" b="1" dirty="0" err="1" smtClean="0">
+                <a:latin typeface="160MKSDAL" panose="00000400000000000000" pitchFamily="2" charset="0"/>
                 <a:sym typeface="Wingdings" panose="05000000000000000000" pitchFamily="2" charset="2"/>
               </a:rPr>
               <a:t>logic</a:t>
             </a:r>
-            <a:endParaRPr lang="de-DE" sz="2400" b="1" dirty="0" smtClean="0"/>
+            <a:endParaRPr lang="de-DE" sz="2400" b="1" dirty="0" smtClean="0">
+              <a:latin typeface="160MKSDAL" panose="00000400000000000000" pitchFamily="2" charset="0"/>
+            </a:endParaRPr>
           </a:p>
         </p:txBody>
       </p:sp>
@@ -6894,13 +7139,13 @@
   <p:clrMapOvr>
     <a:masterClrMapping/>
   </p:clrMapOvr>
-  <mc:AlternateContent xmlns:mc="http://schemas.openxmlformats.org/markup-compatibility/2006">
-    <mc:Choice xmlns:p14="http://schemas.microsoft.com/office/powerpoint/2010/main" Requires="p14">
+  <mc:AlternateContent xmlns:mc="http://schemas.openxmlformats.org/markup-compatibility/2006" xmlns:p14="http://schemas.microsoft.com/office/powerpoint/2010/main">
+    <mc:Choice Requires="p14">
       <p:transition spd="med" p14:dur="700">
         <p:fade/>
       </p:transition>
     </mc:Choice>
-    <mc:Fallback>
+    <mc:Fallback xmlns="">
       <p:transition spd="med">
         <p:fade/>
       </p:transition>
@@ -6950,22 +7195,32 @@
           <a:p>
             <a:pPr algn="l"/>
             <a:r>
-              <a:rPr lang="de-DE" b="1" dirty="0" smtClean="0"/>
+              <a:rPr lang="de-DE" b="1" dirty="0">
+                <a:latin typeface="160MKSDAL" panose="00000400000000000000" pitchFamily="2" charset="0"/>
+              </a:rPr>
               <a:t>4. </a:t>
             </a:r>
             <a:r>
-              <a:rPr lang="de-DE" b="1" dirty="0" err="1" smtClean="0"/>
-              <a:t>Concrete</a:t>
-            </a:r>
-            <a:r>
-              <a:rPr lang="de-DE" b="1" dirty="0" smtClean="0"/>
+              <a:rPr lang="de-DE" b="1" dirty="0" err="1">
+                <a:latin typeface="160MKSDAL" panose="00000400000000000000" pitchFamily="2" charset="0"/>
+              </a:rPr>
+              <a:t>Example</a:t>
+            </a:r>
+            <a:r>
+              <a:rPr lang="de-DE" b="1" dirty="0">
+                <a:latin typeface="160MKSDAL" panose="00000400000000000000" pitchFamily="2" charset="0"/>
+              </a:rPr>
               <a:t> </a:t>
             </a:r>
             <a:r>
-              <a:rPr lang="de-DE" b="1" dirty="0" err="1" smtClean="0"/>
-              <a:t>example</a:t>
-            </a:r>
-            <a:endParaRPr lang="en-GB" b="1" dirty="0"/>
+              <a:rPr lang="de-DE" b="1" dirty="0" err="1">
+                <a:latin typeface="160MKSDAL" panose="00000400000000000000" pitchFamily="2" charset="0"/>
+              </a:rPr>
+              <a:t>tasks</a:t>
+            </a:r>
+            <a:endParaRPr lang="de-DE" b="1" dirty="0">
+              <a:latin typeface="160MKSDAL" panose="00000400000000000000" pitchFamily="2" charset="0"/>
+            </a:endParaRPr>
           </a:p>
         </p:txBody>
       </p:sp>
@@ -6986,7 +7241,7 @@
           <a:p>
             <a:fld id="{B76EA9ED-964D-45D5-B092-6745BDFC4427}" type="datetime1">
               <a:rPr lang="en-GB" smtClean="0"/>
-              <a:t>08/09/2025</a:t>
+              <a:t>09/09/2025</a:t>
             </a:fld>
             <a:endParaRPr lang="en-GB"/>
           </a:p>
@@ -7040,14 +7295,16 @@
       </p:sp>
       <p:pic>
         <p:nvPicPr>
-          <p:cNvPr id="6146" name="Picture 2" descr="Observer"/>
+          <p:cNvPr id="2050" name="Picture 2" descr="With GitHub - PyXAI documentation">
+            <a:hlinkClick r:id="rId2"/>
+          </p:cNvPr>
           <p:cNvPicPr>
             <a:picLocks noChangeAspect="1" noChangeArrowheads="1"/>
           </p:cNvPicPr>
           <p:nvPr/>
         </p:nvPicPr>
         <p:blipFill>
-          <a:blip r:embed="rId2">
+          <a:blip r:embed="rId3" cstate="print">
             <a:extLst>
               <a:ext uri="{28A0092B-C50C-407E-A947-70E740481C1C}">
                 <a14:useLocalDpi xmlns:a14="http://schemas.microsoft.com/office/drawing/2010/main" val="0"/>
@@ -7061,8 +7318,8 @@
         </p:blipFill>
         <p:spPr bwMode="auto">
           <a:xfrm>
-            <a:off x="1619672" y="2204441"/>
-            <a:ext cx="5810250" cy="2952751"/>
+            <a:off x="2771800" y="2636912"/>
+            <a:ext cx="3724138" cy="2106000"/>
           </a:xfrm>
           <a:prstGeom prst="rect">
             <a:avLst/>
@@ -7079,122 +7336,6 @@
           </a:extLst>
         </p:spPr>
       </p:pic>
-      <p:sp>
-        <p:nvSpPr>
-          <p:cNvPr id="15" name="Inhaltsplatzhalter 2"/>
-          <p:cNvSpPr>
-            <a:spLocks noGrp="1"/>
-          </p:cNvSpPr>
-          <p:nvPr>
-            <p:ph idx="1"/>
-          </p:nvPr>
-        </p:nvSpPr>
-        <p:spPr>
-          <a:xfrm>
-            <a:off x="457200" y="1600200"/>
-            <a:ext cx="8003232" cy="604241"/>
-          </a:xfrm>
-        </p:spPr>
-        <p:txBody>
-          <a:bodyPr>
-            <a:normAutofit/>
-          </a:bodyPr>
-          <a:lstStyle/>
-          <a:p>
-            <a:pPr marL="0" indent="0">
-              <a:buNone/>
-            </a:pPr>
-            <a:r>
-              <a:rPr lang="de-DE" sz="2400" b="1" dirty="0" smtClean="0">
-                <a:solidFill>
-                  <a:schemeClr val="bg1">
-                    <a:lumMod val="85000"/>
-                  </a:schemeClr>
-                </a:solidFill>
-                <a:sym typeface="Wingdings" panose="05000000000000000000" pitchFamily="2" charset="2"/>
-              </a:rPr>
-              <a:t> </a:t>
-            </a:r>
-            <a:r>
-              <a:rPr lang="de-DE" sz="2400" b="1" dirty="0" err="1" smtClean="0">
-                <a:solidFill>
-                  <a:schemeClr val="bg1">
-                    <a:lumMod val="85000"/>
-                  </a:schemeClr>
-                </a:solidFill>
-              </a:rPr>
-              <a:t>Classes</a:t>
-            </a:r>
-            <a:r>
-              <a:rPr lang="de-DE" sz="2400" b="1" dirty="0" smtClean="0">
-                <a:solidFill>
-                  <a:schemeClr val="bg1">
-                    <a:lumMod val="85000"/>
-                  </a:schemeClr>
-                </a:solidFill>
-              </a:rPr>
-              <a:t> </a:t>
-            </a:r>
-            <a:r>
-              <a:rPr lang="de-DE" sz="2400" b="1" dirty="0" smtClean="0">
-                <a:solidFill>
-                  <a:schemeClr val="bg1">
-                    <a:lumMod val="75000"/>
-                  </a:schemeClr>
-                </a:solidFill>
-                <a:sym typeface="Wingdings" panose="05000000000000000000" pitchFamily="2" charset="2"/>
-              </a:rPr>
-              <a:t> </a:t>
-            </a:r>
-            <a:r>
-              <a:rPr lang="de-DE" sz="2400" b="1" dirty="0" err="1" smtClean="0">
-                <a:solidFill>
-                  <a:schemeClr val="bg1">
-                    <a:lumMod val="75000"/>
-                  </a:schemeClr>
-                </a:solidFill>
-                <a:sym typeface="Wingdings" panose="05000000000000000000" pitchFamily="2" charset="2"/>
-              </a:rPr>
-              <a:t>Subscribing</a:t>
-            </a:r>
-            <a:r>
-              <a:rPr lang="de-DE" sz="2400" b="1" dirty="0" smtClean="0">
-                <a:solidFill>
-                  <a:schemeClr val="bg1">
-                    <a:lumMod val="75000"/>
-                  </a:schemeClr>
-                </a:solidFill>
-                <a:sym typeface="Wingdings" panose="05000000000000000000" pitchFamily="2" charset="2"/>
-              </a:rPr>
-              <a:t> </a:t>
-            </a:r>
-            <a:r>
-              <a:rPr lang="de-DE" sz="2400" b="1" dirty="0" smtClean="0">
-                <a:solidFill>
-                  <a:schemeClr val="bg1">
-                    <a:lumMod val="65000"/>
-                  </a:schemeClr>
-                </a:solidFill>
-                <a:sym typeface="Wingdings" panose="05000000000000000000" pitchFamily="2" charset="2"/>
-              </a:rPr>
-              <a:t> Interface </a:t>
-            </a:r>
-            <a:r>
-              <a:rPr lang="de-DE" sz="2400" b="1" dirty="0" smtClean="0">
-                <a:sym typeface="Wingdings" panose="05000000000000000000" pitchFamily="2" charset="2"/>
-              </a:rPr>
-              <a:t> Update </a:t>
-            </a:r>
-            <a:r>
-              <a:rPr lang="de-DE" sz="2400" b="1" dirty="0" err="1" smtClean="0">
-                <a:sym typeface="Wingdings" panose="05000000000000000000" pitchFamily="2" charset="2"/>
-              </a:rPr>
-              <a:t>logic</a:t>
-            </a:r>
-            <a:endParaRPr lang="de-DE" sz="2400" b="1" dirty="0" smtClean="0"/>
-          </a:p>
-        </p:txBody>
-      </p:sp>
     </p:spTree>
     <p:extLst>
       <p:ext uri="{BB962C8B-B14F-4D97-AF65-F5344CB8AC3E}">
@@ -7205,13 +7346,13 @@
   <p:clrMapOvr>
     <a:masterClrMapping/>
   </p:clrMapOvr>
-  <mc:AlternateContent xmlns:mc="http://schemas.openxmlformats.org/markup-compatibility/2006">
-    <mc:Choice xmlns:p14="http://schemas.microsoft.com/office/powerpoint/2010/main" Requires="p14">
+  <mc:AlternateContent xmlns:mc="http://schemas.openxmlformats.org/markup-compatibility/2006" xmlns:p14="http://schemas.microsoft.com/office/powerpoint/2010/main">
+    <mc:Choice Requires="p14">
       <p:transition spd="med" p14:dur="700">
         <p:fade/>
       </p:transition>
     </mc:Choice>
-    <mc:Fallback>
+    <mc:Fallback xmlns="">
       <p:transition spd="med">
         <p:fade/>
       </p:transition>
@@ -7223,6 +7364,992 @@
         <p:cTn id="1" dur="indefinite" restart="never" nodeType="tmRoot"/>
       </p:par>
     </p:tnLst>
+  </p:timing>
+</p:sld>
+</file>
+
+<file path=ppt/slides/slide18.xml><?xml version="1.0" encoding="utf-8"?>
+<p:sld xmlns:a="http://schemas.openxmlformats.org/drawingml/2006/main" xmlns:r="http://schemas.openxmlformats.org/officeDocument/2006/relationships" xmlns:p="http://schemas.openxmlformats.org/presentationml/2006/main">
+  <p:cSld>
+    <p:spTree>
+      <p:nvGrpSpPr>
+        <p:cNvPr id="1" name=""/>
+        <p:cNvGrpSpPr/>
+        <p:nvPr/>
+      </p:nvGrpSpPr>
+      <p:grpSpPr>
+        <a:xfrm>
+          <a:off x="0" y="0"/>
+          <a:ext cx="0" cy="0"/>
+          <a:chOff x="0" y="0"/>
+          <a:chExt cx="0" cy="0"/>
+        </a:xfrm>
+      </p:grpSpPr>
+      <p:sp>
+        <p:nvSpPr>
+          <p:cNvPr id="2" name="Titel 1"/>
+          <p:cNvSpPr>
+            <a:spLocks noGrp="1"/>
+          </p:cNvSpPr>
+          <p:nvPr>
+            <p:ph type="title"/>
+          </p:nvPr>
+        </p:nvSpPr>
+        <p:spPr/>
+        <p:txBody>
+          <a:bodyPr/>
+          <a:lstStyle/>
+          <a:p>
+            <a:pPr algn="l"/>
+            <a:r>
+              <a:rPr lang="de-DE" b="1" dirty="0" smtClean="0">
+                <a:latin typeface="160MKSDAL" panose="00000400000000000000" pitchFamily="2" charset="0"/>
+              </a:rPr>
+              <a:t>5. Quiz</a:t>
+            </a:r>
+            <a:endParaRPr lang="de-DE" b="1" dirty="0">
+              <a:latin typeface="160MKSDAL" panose="00000400000000000000" pitchFamily="2" charset="0"/>
+            </a:endParaRPr>
+          </a:p>
+        </p:txBody>
+      </p:sp>
+      <p:sp>
+        <p:nvSpPr>
+          <p:cNvPr id="4" name="Datumsplatzhalter 3"/>
+          <p:cNvSpPr>
+            <a:spLocks noGrp="1"/>
+          </p:cNvSpPr>
+          <p:nvPr>
+            <p:ph type="dt" sz="half" idx="10"/>
+          </p:nvPr>
+        </p:nvSpPr>
+        <p:spPr/>
+        <p:txBody>
+          <a:bodyPr/>
+          <a:lstStyle/>
+          <a:p>
+            <a:fld id="{B76EA9ED-964D-45D5-B092-6745BDFC4427}" type="datetime1">
+              <a:rPr lang="en-GB" smtClean="0"/>
+              <a:t>09/09/2025</a:t>
+            </a:fld>
+            <a:endParaRPr lang="en-GB"/>
+          </a:p>
+        </p:txBody>
+      </p:sp>
+      <p:sp>
+        <p:nvSpPr>
+          <p:cNvPr id="5" name="Fußzeilenplatzhalter 4"/>
+          <p:cNvSpPr>
+            <a:spLocks noGrp="1"/>
+          </p:cNvSpPr>
+          <p:nvPr>
+            <p:ph type="ftr" sz="quarter" idx="11"/>
+          </p:nvPr>
+        </p:nvSpPr>
+        <p:spPr/>
+        <p:txBody>
+          <a:bodyPr/>
+          <a:lstStyle/>
+          <a:p>
+            <a:r>
+              <a:rPr lang="en-GB" smtClean="0"/>
+              <a:t>Barcamp: Observer (Publish and subscribe)</a:t>
+            </a:r>
+            <a:endParaRPr lang="en-GB"/>
+          </a:p>
+        </p:txBody>
+      </p:sp>
+      <p:sp>
+        <p:nvSpPr>
+          <p:cNvPr id="6" name="Foliennummernplatzhalter 5"/>
+          <p:cNvSpPr>
+            <a:spLocks noGrp="1"/>
+          </p:cNvSpPr>
+          <p:nvPr>
+            <p:ph type="sldNum" sz="quarter" idx="12"/>
+          </p:nvPr>
+        </p:nvSpPr>
+        <p:spPr/>
+        <p:txBody>
+          <a:bodyPr/>
+          <a:lstStyle/>
+          <a:p>
+            <a:fld id="{CD8C646F-A972-4D58-B485-1F42B8E51682}" type="slidenum">
+              <a:rPr lang="en-GB" smtClean="0"/>
+              <a:t>18</a:t>
+            </a:fld>
+            <a:endParaRPr lang="en-GB"/>
+          </a:p>
+        </p:txBody>
+      </p:sp>
+      <p:sp>
+        <p:nvSpPr>
+          <p:cNvPr id="7" name="Titel 1"/>
+          <p:cNvSpPr txBox="1">
+            <a:spLocks/>
+          </p:cNvSpPr>
+          <p:nvPr/>
+        </p:nvSpPr>
+        <p:spPr>
+          <a:xfrm>
+            <a:off x="685800" y="2247007"/>
+            <a:ext cx="7772400" cy="1470025"/>
+          </a:xfrm>
+          <a:prstGeom prst="rect">
+            <a:avLst/>
+          </a:prstGeom>
+        </p:spPr>
+        <p:txBody>
+          <a:bodyPr vert="horz" lIns="91440" tIns="45720" rIns="91440" bIns="45720" rtlCol="0" anchor="ctr">
+            <a:normAutofit/>
+          </a:bodyPr>
+          <a:lstStyle>
+            <a:lvl1pPr algn="ctr" defTabSz="914400" rtl="0" eaLnBrk="1" latinLnBrk="0" hangingPunct="1">
+              <a:spcBef>
+                <a:spcPct val="0"/>
+              </a:spcBef>
+              <a:buNone/>
+              <a:defRPr sz="4400" kern="1200">
+                <a:solidFill>
+                  <a:schemeClr val="tx1"/>
+                </a:solidFill>
+                <a:latin typeface="+mj-lt"/>
+                <a:ea typeface="+mj-ea"/>
+                <a:cs typeface="+mj-cs"/>
+              </a:defRPr>
+            </a:lvl1pPr>
+          </a:lstStyle>
+          <a:p>
+            <a:r>
+              <a:rPr lang="de-DE" sz="2800" dirty="0" err="1" smtClean="0">
+                <a:solidFill>
+                  <a:srgbClr val="FF3300"/>
+                </a:solidFill>
+                <a:effectLst>
+                  <a:outerShdw blurRad="38100" dist="38100" dir="2700000" algn="tl">
+                    <a:srgbClr val="000000">
+                      <a:alpha val="43137"/>
+                    </a:srgbClr>
+                  </a:outerShdw>
+                </a:effectLst>
+                <a:latin typeface="160MKSDAL" panose="00000400000000000000" pitchFamily="2" charset="0"/>
+              </a:rPr>
+              <a:t>Question</a:t>
+            </a:r>
+            <a:r>
+              <a:rPr lang="de-DE" sz="2800" dirty="0" smtClean="0">
+                <a:solidFill>
+                  <a:srgbClr val="FF3300"/>
+                </a:solidFill>
+                <a:effectLst>
+                  <a:outerShdw blurRad="38100" dist="38100" dir="2700000" algn="tl">
+                    <a:srgbClr val="000000">
+                      <a:alpha val="43137"/>
+                    </a:srgbClr>
+                  </a:outerShdw>
+                </a:effectLst>
+                <a:latin typeface="160MKSDAL" panose="00000400000000000000" pitchFamily="2" charset="0"/>
+              </a:rPr>
+              <a:t> 1:</a:t>
+            </a:r>
+          </a:p>
+          <a:p>
+            <a:r>
+              <a:rPr lang="de-DE" sz="2800" b="1" dirty="0" err="1" smtClean="0"/>
+              <a:t>What</a:t>
+            </a:r>
+            <a:r>
+              <a:rPr lang="de-DE" sz="2800" b="1" dirty="0" smtClean="0"/>
+              <a:t> </a:t>
+            </a:r>
+            <a:r>
+              <a:rPr lang="de-DE" sz="2800" b="1" dirty="0" err="1" smtClean="0"/>
+              <a:t>implementation</a:t>
+            </a:r>
+            <a:r>
+              <a:rPr lang="de-DE" sz="2800" b="1" dirty="0" smtClean="0"/>
+              <a:t> </a:t>
+            </a:r>
+            <a:r>
+              <a:rPr lang="de-DE" sz="2800" b="1" dirty="0" err="1" smtClean="0"/>
+              <a:t>does</a:t>
+            </a:r>
+            <a:r>
+              <a:rPr lang="de-DE" sz="2800" b="1" dirty="0" smtClean="0"/>
+              <a:t> </a:t>
+            </a:r>
+            <a:r>
+              <a:rPr lang="de-DE" sz="2800" b="1" dirty="0" err="1" smtClean="0"/>
+              <a:t>every</a:t>
+            </a:r>
+            <a:r>
+              <a:rPr lang="de-DE" sz="2800" b="1" dirty="0" smtClean="0"/>
+              <a:t> </a:t>
+            </a:r>
+            <a:r>
+              <a:rPr lang="de-DE" sz="2800" b="1" dirty="0" err="1" smtClean="0"/>
+              <a:t>subscriber</a:t>
+            </a:r>
+            <a:r>
+              <a:rPr lang="de-DE" sz="2800" b="1" dirty="0" smtClean="0"/>
+              <a:t> </a:t>
+            </a:r>
+            <a:r>
+              <a:rPr lang="de-DE" sz="2800" b="1" dirty="0" err="1" smtClean="0"/>
+              <a:t>need</a:t>
+            </a:r>
+            <a:r>
+              <a:rPr lang="de-DE" sz="2800" b="1" dirty="0" smtClean="0"/>
+              <a:t>?</a:t>
+            </a:r>
+            <a:endParaRPr lang="en-GB" sz="1400" i="1" dirty="0"/>
+          </a:p>
+        </p:txBody>
+      </p:sp>
+      <p:sp>
+        <p:nvSpPr>
+          <p:cNvPr id="9" name="Titel 1"/>
+          <p:cNvSpPr txBox="1">
+            <a:spLocks/>
+          </p:cNvSpPr>
+          <p:nvPr/>
+        </p:nvSpPr>
+        <p:spPr>
+          <a:xfrm>
+            <a:off x="685800" y="3399135"/>
+            <a:ext cx="7772400" cy="1470025"/>
+          </a:xfrm>
+          <a:prstGeom prst="rect">
+            <a:avLst/>
+          </a:prstGeom>
+        </p:spPr>
+        <p:txBody>
+          <a:bodyPr vert="horz" lIns="91440" tIns="45720" rIns="91440" bIns="45720" rtlCol="0" anchor="ctr">
+            <a:normAutofit/>
+          </a:bodyPr>
+          <a:lstStyle>
+            <a:lvl1pPr algn="ctr" defTabSz="914400" rtl="0" eaLnBrk="1" latinLnBrk="0" hangingPunct="1">
+              <a:spcBef>
+                <a:spcPct val="0"/>
+              </a:spcBef>
+              <a:buNone/>
+              <a:defRPr sz="4400" kern="1200">
+                <a:solidFill>
+                  <a:schemeClr val="tx1"/>
+                </a:solidFill>
+                <a:latin typeface="+mj-lt"/>
+                <a:ea typeface="+mj-ea"/>
+                <a:cs typeface="+mj-cs"/>
+              </a:defRPr>
+            </a:lvl1pPr>
+          </a:lstStyle>
+          <a:p>
+            <a:r>
+              <a:rPr lang="de-DE" sz="2800" dirty="0" err="1" smtClean="0">
+                <a:solidFill>
+                  <a:srgbClr val="009900"/>
+                </a:solidFill>
+                <a:effectLst>
+                  <a:outerShdw blurRad="38100" dist="38100" dir="2700000" algn="tl">
+                    <a:srgbClr val="000000">
+                      <a:alpha val="43137"/>
+                    </a:srgbClr>
+                  </a:outerShdw>
+                </a:effectLst>
+                <a:latin typeface="160MKSDAL" panose="00000400000000000000" pitchFamily="2" charset="0"/>
+              </a:rPr>
+              <a:t>Answer</a:t>
+            </a:r>
+            <a:r>
+              <a:rPr lang="de-DE" sz="2800" dirty="0" smtClean="0">
+                <a:solidFill>
+                  <a:srgbClr val="009900"/>
+                </a:solidFill>
+                <a:effectLst>
+                  <a:outerShdw blurRad="38100" dist="38100" dir="2700000" algn="tl">
+                    <a:srgbClr val="000000">
+                      <a:alpha val="43137"/>
+                    </a:srgbClr>
+                  </a:outerShdw>
+                </a:effectLst>
+                <a:latin typeface="160MKSDAL" panose="00000400000000000000" pitchFamily="2" charset="0"/>
+              </a:rPr>
+              <a:t>:</a:t>
+            </a:r>
+          </a:p>
+          <a:p>
+            <a:r>
+              <a:rPr lang="de-DE" sz="2800" b="1" dirty="0" smtClean="0"/>
+              <a:t>An „update()“-</a:t>
+            </a:r>
+            <a:r>
+              <a:rPr lang="de-DE" sz="2800" b="1" dirty="0" err="1" smtClean="0"/>
+              <a:t>method</a:t>
+            </a:r>
+            <a:endParaRPr lang="en-GB" sz="1400" i="1" dirty="0"/>
+          </a:p>
+        </p:txBody>
+      </p:sp>
+    </p:spTree>
+    <p:extLst>
+      <p:ext uri="{BB962C8B-B14F-4D97-AF65-F5344CB8AC3E}">
+        <p14:creationId xmlns:p14="http://schemas.microsoft.com/office/powerpoint/2010/main" val="1604170836"/>
+      </p:ext>
+    </p:extLst>
+  </p:cSld>
+  <p:clrMapOvr>
+    <a:masterClrMapping/>
+  </p:clrMapOvr>
+  <mc:AlternateContent xmlns:mc="http://schemas.openxmlformats.org/markup-compatibility/2006" xmlns:p14="http://schemas.microsoft.com/office/powerpoint/2010/main">
+    <mc:Choice Requires="p14">
+      <p:transition spd="med" p14:dur="700">
+        <p:fade/>
+      </p:transition>
+    </mc:Choice>
+    <mc:Fallback xmlns="">
+      <p:transition spd="med">
+        <p:fade/>
+      </p:transition>
+    </mc:Fallback>
+  </mc:AlternateContent>
+  <p:timing>
+    <p:tnLst>
+      <p:par>
+        <p:cTn id="1" dur="indefinite" restart="never" nodeType="tmRoot">
+          <p:childTnLst>
+            <p:seq concurrent="1" nextAc="seek">
+              <p:cTn id="2" dur="indefinite" nodeType="mainSeq">
+                <p:childTnLst>
+                  <p:par>
+                    <p:cTn id="3" fill="hold">
+                      <p:stCondLst>
+                        <p:cond delay="indefinite"/>
+                      </p:stCondLst>
+                      <p:childTnLst>
+                        <p:par>
+                          <p:cTn id="4" fill="hold">
+                            <p:stCondLst>
+                              <p:cond delay="0"/>
+                            </p:stCondLst>
+                            <p:childTnLst>
+                              <p:par>
+                                <p:cTn id="5" presetID="10" presetClass="entr" presetSubtype="0" fill="hold" grpId="0" nodeType="clickEffect">
+                                  <p:stCondLst>
+                                    <p:cond delay="0"/>
+                                  </p:stCondLst>
+                                  <p:childTnLst>
+                                    <p:set>
+                                      <p:cBhvr>
+                                        <p:cTn id="6" dur="1" fill="hold">
+                                          <p:stCondLst>
+                                            <p:cond delay="0"/>
+                                          </p:stCondLst>
+                                        </p:cTn>
+                                        <p:tgtEl>
+                                          <p:spTgt spid="7"/>
+                                        </p:tgtEl>
+                                        <p:attrNameLst>
+                                          <p:attrName>style.visibility</p:attrName>
+                                        </p:attrNameLst>
+                                      </p:cBhvr>
+                                      <p:to>
+                                        <p:strVal val="visible"/>
+                                      </p:to>
+                                    </p:set>
+                                    <p:animEffect transition="in" filter="fade">
+                                      <p:cBhvr>
+                                        <p:cTn id="7" dur="500"/>
+                                        <p:tgtEl>
+                                          <p:spTgt spid="7"/>
+                                        </p:tgtEl>
+                                      </p:cBhvr>
+                                    </p:animEffect>
+                                  </p:childTnLst>
+                                </p:cTn>
+                              </p:par>
+                            </p:childTnLst>
+                          </p:cTn>
+                        </p:par>
+                      </p:childTnLst>
+                    </p:cTn>
+                  </p:par>
+                  <p:par>
+                    <p:cTn id="8" fill="hold">
+                      <p:stCondLst>
+                        <p:cond delay="indefinite"/>
+                      </p:stCondLst>
+                      <p:childTnLst>
+                        <p:par>
+                          <p:cTn id="9" fill="hold">
+                            <p:stCondLst>
+                              <p:cond delay="0"/>
+                            </p:stCondLst>
+                            <p:childTnLst>
+                              <p:par>
+                                <p:cTn id="10" presetID="10" presetClass="entr" presetSubtype="0" fill="hold" grpId="0" nodeType="clickEffect">
+                                  <p:stCondLst>
+                                    <p:cond delay="0"/>
+                                  </p:stCondLst>
+                                  <p:childTnLst>
+                                    <p:set>
+                                      <p:cBhvr>
+                                        <p:cTn id="11" dur="1" fill="hold">
+                                          <p:stCondLst>
+                                            <p:cond delay="0"/>
+                                          </p:stCondLst>
+                                        </p:cTn>
+                                        <p:tgtEl>
+                                          <p:spTgt spid="9"/>
+                                        </p:tgtEl>
+                                        <p:attrNameLst>
+                                          <p:attrName>style.visibility</p:attrName>
+                                        </p:attrNameLst>
+                                      </p:cBhvr>
+                                      <p:to>
+                                        <p:strVal val="visible"/>
+                                      </p:to>
+                                    </p:set>
+                                    <p:animEffect transition="in" filter="fade">
+                                      <p:cBhvr>
+                                        <p:cTn id="12" dur="500"/>
+                                        <p:tgtEl>
+                                          <p:spTgt spid="9"/>
+                                        </p:tgtEl>
+                                      </p:cBhvr>
+                                    </p:animEffect>
+                                  </p:childTnLst>
+                                </p:cTn>
+                              </p:par>
+                            </p:childTnLst>
+                          </p:cTn>
+                        </p:par>
+                      </p:childTnLst>
+                    </p:cTn>
+                  </p:par>
+                </p:childTnLst>
+              </p:cTn>
+              <p:prevCondLst>
+                <p:cond evt="onPrev" delay="0">
+                  <p:tgtEl>
+                    <p:sldTgt/>
+                  </p:tgtEl>
+                </p:cond>
+              </p:prevCondLst>
+              <p:nextCondLst>
+                <p:cond evt="onNext" delay="0">
+                  <p:tgtEl>
+                    <p:sldTgt/>
+                  </p:tgtEl>
+                </p:cond>
+              </p:nextCondLst>
+            </p:seq>
+          </p:childTnLst>
+        </p:cTn>
+      </p:par>
+    </p:tnLst>
+    <p:bldLst>
+      <p:bldP spid="7" grpId="0"/>
+      <p:bldP spid="9" grpId="0"/>
+    </p:bldLst>
+  </p:timing>
+</p:sld>
+</file>
+
+<file path=ppt/slides/slide19.xml><?xml version="1.0" encoding="utf-8"?>
+<p:sld xmlns:a="http://schemas.openxmlformats.org/drawingml/2006/main" xmlns:r="http://schemas.openxmlformats.org/officeDocument/2006/relationships" xmlns:p="http://schemas.openxmlformats.org/presentationml/2006/main">
+  <p:cSld>
+    <p:spTree>
+      <p:nvGrpSpPr>
+        <p:cNvPr id="1" name=""/>
+        <p:cNvGrpSpPr/>
+        <p:nvPr/>
+      </p:nvGrpSpPr>
+      <p:grpSpPr>
+        <a:xfrm>
+          <a:off x="0" y="0"/>
+          <a:ext cx="0" cy="0"/>
+          <a:chOff x="0" y="0"/>
+          <a:chExt cx="0" cy="0"/>
+        </a:xfrm>
+      </p:grpSpPr>
+      <p:sp>
+        <p:nvSpPr>
+          <p:cNvPr id="2" name="Titel 1"/>
+          <p:cNvSpPr>
+            <a:spLocks noGrp="1"/>
+          </p:cNvSpPr>
+          <p:nvPr>
+            <p:ph type="title"/>
+          </p:nvPr>
+        </p:nvSpPr>
+        <p:spPr/>
+        <p:txBody>
+          <a:bodyPr/>
+          <a:lstStyle/>
+          <a:p>
+            <a:pPr algn="l"/>
+            <a:r>
+              <a:rPr lang="de-DE" b="1" dirty="0" smtClean="0">
+                <a:latin typeface="160MKSDAL" panose="00000400000000000000" pitchFamily="2" charset="0"/>
+              </a:rPr>
+              <a:t>5. Quiz</a:t>
+            </a:r>
+            <a:endParaRPr lang="de-DE" b="1" dirty="0">
+              <a:latin typeface="160MKSDAL" panose="00000400000000000000" pitchFamily="2" charset="0"/>
+            </a:endParaRPr>
+          </a:p>
+        </p:txBody>
+      </p:sp>
+      <p:sp>
+        <p:nvSpPr>
+          <p:cNvPr id="4" name="Datumsplatzhalter 3"/>
+          <p:cNvSpPr>
+            <a:spLocks noGrp="1"/>
+          </p:cNvSpPr>
+          <p:nvPr>
+            <p:ph type="dt" sz="half" idx="10"/>
+          </p:nvPr>
+        </p:nvSpPr>
+        <p:spPr/>
+        <p:txBody>
+          <a:bodyPr/>
+          <a:lstStyle/>
+          <a:p>
+            <a:fld id="{B76EA9ED-964D-45D5-B092-6745BDFC4427}" type="datetime1">
+              <a:rPr lang="en-GB" smtClean="0"/>
+              <a:t>09/09/2025</a:t>
+            </a:fld>
+            <a:endParaRPr lang="en-GB"/>
+          </a:p>
+        </p:txBody>
+      </p:sp>
+      <p:sp>
+        <p:nvSpPr>
+          <p:cNvPr id="5" name="Fußzeilenplatzhalter 4"/>
+          <p:cNvSpPr>
+            <a:spLocks noGrp="1"/>
+          </p:cNvSpPr>
+          <p:nvPr>
+            <p:ph type="ftr" sz="quarter" idx="11"/>
+          </p:nvPr>
+        </p:nvSpPr>
+        <p:spPr/>
+        <p:txBody>
+          <a:bodyPr/>
+          <a:lstStyle/>
+          <a:p>
+            <a:r>
+              <a:rPr lang="en-GB" smtClean="0"/>
+              <a:t>Barcamp: Observer (Publish and subscribe)</a:t>
+            </a:r>
+            <a:endParaRPr lang="en-GB"/>
+          </a:p>
+        </p:txBody>
+      </p:sp>
+      <p:sp>
+        <p:nvSpPr>
+          <p:cNvPr id="6" name="Foliennummernplatzhalter 5"/>
+          <p:cNvSpPr>
+            <a:spLocks noGrp="1"/>
+          </p:cNvSpPr>
+          <p:nvPr>
+            <p:ph type="sldNum" sz="quarter" idx="12"/>
+          </p:nvPr>
+        </p:nvSpPr>
+        <p:spPr/>
+        <p:txBody>
+          <a:bodyPr/>
+          <a:lstStyle/>
+          <a:p>
+            <a:fld id="{CD8C646F-A972-4D58-B485-1F42B8E51682}" type="slidenum">
+              <a:rPr lang="en-GB" smtClean="0"/>
+              <a:t>19</a:t>
+            </a:fld>
+            <a:endParaRPr lang="en-GB"/>
+          </a:p>
+        </p:txBody>
+      </p:sp>
+      <p:sp>
+        <p:nvSpPr>
+          <p:cNvPr id="7" name="Titel 1"/>
+          <p:cNvSpPr txBox="1">
+            <a:spLocks/>
+          </p:cNvSpPr>
+          <p:nvPr/>
+        </p:nvSpPr>
+        <p:spPr>
+          <a:xfrm>
+            <a:off x="539552" y="2247007"/>
+            <a:ext cx="8064896" cy="1470025"/>
+          </a:xfrm>
+          <a:prstGeom prst="rect">
+            <a:avLst/>
+          </a:prstGeom>
+        </p:spPr>
+        <p:txBody>
+          <a:bodyPr vert="horz" lIns="91440" tIns="45720" rIns="91440" bIns="45720" rtlCol="0" anchor="ctr">
+            <a:normAutofit/>
+          </a:bodyPr>
+          <a:lstStyle>
+            <a:lvl1pPr algn="ctr" defTabSz="914400" rtl="0" eaLnBrk="1" latinLnBrk="0" hangingPunct="1">
+              <a:spcBef>
+                <a:spcPct val="0"/>
+              </a:spcBef>
+              <a:buNone/>
+              <a:defRPr sz="4400" kern="1200">
+                <a:solidFill>
+                  <a:schemeClr val="tx1"/>
+                </a:solidFill>
+                <a:latin typeface="+mj-lt"/>
+                <a:ea typeface="+mj-ea"/>
+                <a:cs typeface="+mj-cs"/>
+              </a:defRPr>
+            </a:lvl1pPr>
+          </a:lstStyle>
+          <a:p>
+            <a:r>
+              <a:rPr lang="de-DE" sz="2800" dirty="0" err="1" smtClean="0">
+                <a:solidFill>
+                  <a:srgbClr val="FF3300"/>
+                </a:solidFill>
+                <a:effectLst>
+                  <a:outerShdw blurRad="38100" dist="38100" dir="2700000" algn="tl">
+                    <a:srgbClr val="000000">
+                      <a:alpha val="43137"/>
+                    </a:srgbClr>
+                  </a:outerShdw>
+                </a:effectLst>
+                <a:latin typeface="160MKSDAL" panose="00000400000000000000" pitchFamily="2" charset="0"/>
+              </a:rPr>
+              <a:t>Question</a:t>
+            </a:r>
+            <a:r>
+              <a:rPr lang="de-DE" sz="2800" dirty="0" smtClean="0">
+                <a:solidFill>
+                  <a:srgbClr val="FF3300"/>
+                </a:solidFill>
+                <a:effectLst>
+                  <a:outerShdw blurRad="38100" dist="38100" dir="2700000" algn="tl">
+                    <a:srgbClr val="000000">
+                      <a:alpha val="43137"/>
+                    </a:srgbClr>
+                  </a:outerShdw>
+                </a:effectLst>
+                <a:latin typeface="160MKSDAL" panose="00000400000000000000" pitchFamily="2" charset="0"/>
+              </a:rPr>
+              <a:t> 2:</a:t>
+            </a:r>
+          </a:p>
+          <a:p>
+            <a:r>
+              <a:rPr lang="de-DE" sz="2800" b="1" dirty="0" err="1" smtClean="0"/>
+              <a:t>What</a:t>
+            </a:r>
+            <a:r>
+              <a:rPr lang="de-DE" sz="2800" b="1" dirty="0" smtClean="0"/>
+              <a:t> </a:t>
+            </a:r>
+            <a:r>
+              <a:rPr lang="de-DE" sz="2800" b="1" dirty="0" err="1" smtClean="0"/>
+              <a:t>methods</a:t>
+            </a:r>
+            <a:r>
+              <a:rPr lang="de-DE" sz="2800" b="1" dirty="0" smtClean="0"/>
+              <a:t> </a:t>
+            </a:r>
+            <a:r>
+              <a:rPr lang="de-DE" sz="2800" b="1" dirty="0" err="1" smtClean="0"/>
+              <a:t>are</a:t>
+            </a:r>
+            <a:r>
+              <a:rPr lang="de-DE" sz="2800" b="1" dirty="0" smtClean="0"/>
+              <a:t> </a:t>
+            </a:r>
+            <a:r>
+              <a:rPr lang="de-DE" sz="2800" b="1" dirty="0" err="1" smtClean="0"/>
+              <a:t>needed</a:t>
+            </a:r>
+            <a:r>
+              <a:rPr lang="de-DE" sz="2800" b="1" dirty="0" smtClean="0"/>
+              <a:t> in </a:t>
+            </a:r>
+            <a:r>
+              <a:rPr lang="de-DE" sz="2800" b="1" dirty="0" err="1" smtClean="0"/>
+              <a:t>the</a:t>
+            </a:r>
+            <a:r>
+              <a:rPr lang="de-DE" sz="2800" b="1" dirty="0" smtClean="0"/>
+              <a:t> „Publisher“ </a:t>
+            </a:r>
+            <a:r>
+              <a:rPr lang="de-DE" sz="2800" b="1" dirty="0" err="1" smtClean="0"/>
+              <a:t>class</a:t>
+            </a:r>
+            <a:r>
+              <a:rPr lang="de-DE" sz="2800" b="1" dirty="0" smtClean="0"/>
+              <a:t>?</a:t>
+            </a:r>
+            <a:endParaRPr lang="en-GB" sz="1400" i="1" dirty="0"/>
+          </a:p>
+        </p:txBody>
+      </p:sp>
+      <p:sp>
+        <p:nvSpPr>
+          <p:cNvPr id="9" name="Titel 1"/>
+          <p:cNvSpPr txBox="1">
+            <a:spLocks/>
+          </p:cNvSpPr>
+          <p:nvPr/>
+        </p:nvSpPr>
+        <p:spPr>
+          <a:xfrm>
+            <a:off x="395536" y="3399135"/>
+            <a:ext cx="8352928" cy="1470025"/>
+          </a:xfrm>
+          <a:prstGeom prst="rect">
+            <a:avLst/>
+          </a:prstGeom>
+        </p:spPr>
+        <p:txBody>
+          <a:bodyPr vert="horz" lIns="91440" tIns="45720" rIns="91440" bIns="45720" rtlCol="0" anchor="ctr">
+            <a:normAutofit/>
+          </a:bodyPr>
+          <a:lstStyle>
+            <a:lvl1pPr algn="ctr" defTabSz="914400" rtl="0" eaLnBrk="1" latinLnBrk="0" hangingPunct="1">
+              <a:spcBef>
+                <a:spcPct val="0"/>
+              </a:spcBef>
+              <a:buNone/>
+              <a:defRPr sz="4400" kern="1200">
+                <a:solidFill>
+                  <a:schemeClr val="tx1"/>
+                </a:solidFill>
+                <a:latin typeface="+mj-lt"/>
+                <a:ea typeface="+mj-ea"/>
+                <a:cs typeface="+mj-cs"/>
+              </a:defRPr>
+            </a:lvl1pPr>
+          </a:lstStyle>
+          <a:p>
+            <a:r>
+              <a:rPr lang="de-DE" sz="2800" dirty="0" err="1" smtClean="0">
+                <a:solidFill>
+                  <a:srgbClr val="009900"/>
+                </a:solidFill>
+                <a:effectLst>
+                  <a:outerShdw blurRad="38100" dist="38100" dir="2700000" algn="tl">
+                    <a:srgbClr val="000000">
+                      <a:alpha val="43137"/>
+                    </a:srgbClr>
+                  </a:outerShdw>
+                </a:effectLst>
+                <a:latin typeface="160MKSDAL" panose="00000400000000000000" pitchFamily="2" charset="0"/>
+              </a:rPr>
+              <a:t>Answer</a:t>
+            </a:r>
+            <a:r>
+              <a:rPr lang="de-DE" sz="2800" dirty="0" smtClean="0">
+                <a:solidFill>
+                  <a:srgbClr val="009900"/>
+                </a:solidFill>
+                <a:effectLst>
+                  <a:outerShdw blurRad="38100" dist="38100" dir="2700000" algn="tl">
+                    <a:srgbClr val="000000">
+                      <a:alpha val="43137"/>
+                    </a:srgbClr>
+                  </a:outerShdw>
+                </a:effectLst>
+                <a:latin typeface="160MKSDAL" panose="00000400000000000000" pitchFamily="2" charset="0"/>
+              </a:rPr>
+              <a:t>:</a:t>
+            </a:r>
+          </a:p>
+          <a:p>
+            <a:r>
+              <a:rPr lang="de-DE" sz="2800" b="1" dirty="0" err="1" smtClean="0"/>
+              <a:t>addSubscriber</a:t>
+            </a:r>
+            <a:r>
+              <a:rPr lang="de-DE" sz="2800" b="1" dirty="0" smtClean="0"/>
+              <a:t>, </a:t>
+            </a:r>
+            <a:r>
+              <a:rPr lang="de-DE" sz="2800" b="1" dirty="0" err="1" smtClean="0"/>
+              <a:t>removeSubscriber</a:t>
+            </a:r>
+            <a:r>
+              <a:rPr lang="de-DE" sz="2800" b="1" dirty="0" smtClean="0"/>
+              <a:t> &amp; </a:t>
+            </a:r>
+            <a:r>
+              <a:rPr lang="de-DE" sz="2800" b="1" dirty="0" err="1" smtClean="0"/>
+              <a:t>notifySubscriber</a:t>
+            </a:r>
+            <a:endParaRPr lang="en-GB" sz="1400" i="1" dirty="0"/>
+          </a:p>
+        </p:txBody>
+      </p:sp>
+    </p:spTree>
+    <p:extLst>
+      <p:ext uri="{BB962C8B-B14F-4D97-AF65-F5344CB8AC3E}">
+        <p14:creationId xmlns:p14="http://schemas.microsoft.com/office/powerpoint/2010/main" val="2146509940"/>
+      </p:ext>
+    </p:extLst>
+  </p:cSld>
+  <p:clrMapOvr>
+    <a:masterClrMapping/>
+  </p:clrMapOvr>
+  <mc:AlternateContent xmlns:mc="http://schemas.openxmlformats.org/markup-compatibility/2006" xmlns:p14="http://schemas.microsoft.com/office/powerpoint/2010/main">
+    <mc:Choice Requires="p14">
+      <p:transition spd="med" p14:dur="700">
+        <p:fade/>
+      </p:transition>
+    </mc:Choice>
+    <mc:Fallback xmlns="">
+      <p:transition spd="med">
+        <p:fade/>
+      </p:transition>
+    </mc:Fallback>
+  </mc:AlternateContent>
+  <p:timing>
+    <p:tnLst>
+      <p:par>
+        <p:cTn id="1" dur="indefinite" restart="never" nodeType="tmRoot">
+          <p:childTnLst>
+            <p:seq concurrent="1" nextAc="seek">
+              <p:cTn id="2" dur="indefinite" nodeType="mainSeq">
+                <p:childTnLst>
+                  <p:par>
+                    <p:cTn id="3" fill="hold">
+                      <p:stCondLst>
+                        <p:cond delay="indefinite"/>
+                      </p:stCondLst>
+                      <p:childTnLst>
+                        <p:par>
+                          <p:cTn id="4" fill="hold">
+                            <p:stCondLst>
+                              <p:cond delay="0"/>
+                            </p:stCondLst>
+                            <p:childTnLst>
+                              <p:par>
+                                <p:cTn id="5" presetID="10" presetClass="entr" presetSubtype="0" fill="hold" grpId="0" nodeType="clickEffect">
+                                  <p:stCondLst>
+                                    <p:cond delay="0"/>
+                                  </p:stCondLst>
+                                  <p:childTnLst>
+                                    <p:set>
+                                      <p:cBhvr>
+                                        <p:cTn id="6" dur="1" fill="hold">
+                                          <p:stCondLst>
+                                            <p:cond delay="0"/>
+                                          </p:stCondLst>
+                                        </p:cTn>
+                                        <p:tgtEl>
+                                          <p:spTgt spid="7"/>
+                                        </p:tgtEl>
+                                        <p:attrNameLst>
+                                          <p:attrName>style.visibility</p:attrName>
+                                        </p:attrNameLst>
+                                      </p:cBhvr>
+                                      <p:to>
+                                        <p:strVal val="visible"/>
+                                      </p:to>
+                                    </p:set>
+                                    <p:animEffect transition="in" filter="fade">
+                                      <p:cBhvr>
+                                        <p:cTn id="7" dur="500"/>
+                                        <p:tgtEl>
+                                          <p:spTgt spid="7"/>
+                                        </p:tgtEl>
+                                      </p:cBhvr>
+                                    </p:animEffect>
+                                  </p:childTnLst>
+                                </p:cTn>
+                              </p:par>
+                            </p:childTnLst>
+                          </p:cTn>
+                        </p:par>
+                      </p:childTnLst>
+                    </p:cTn>
+                  </p:par>
+                  <p:par>
+                    <p:cTn id="8" fill="hold">
+                      <p:stCondLst>
+                        <p:cond delay="indefinite"/>
+                      </p:stCondLst>
+                      <p:childTnLst>
+                        <p:par>
+                          <p:cTn id="9" fill="hold">
+                            <p:stCondLst>
+                              <p:cond delay="0"/>
+                            </p:stCondLst>
+                            <p:childTnLst>
+                              <p:par>
+                                <p:cTn id="10" presetID="10" presetClass="entr" presetSubtype="0" fill="hold" grpId="0" nodeType="clickEffect">
+                                  <p:stCondLst>
+                                    <p:cond delay="0"/>
+                                  </p:stCondLst>
+                                  <p:childTnLst>
+                                    <p:set>
+                                      <p:cBhvr>
+                                        <p:cTn id="11" dur="1" fill="hold">
+                                          <p:stCondLst>
+                                            <p:cond delay="0"/>
+                                          </p:stCondLst>
+                                        </p:cTn>
+                                        <p:tgtEl>
+                                          <p:spTgt spid="9"/>
+                                        </p:tgtEl>
+                                        <p:attrNameLst>
+                                          <p:attrName>style.visibility</p:attrName>
+                                        </p:attrNameLst>
+                                      </p:cBhvr>
+                                      <p:to>
+                                        <p:strVal val="visible"/>
+                                      </p:to>
+                                    </p:set>
+                                    <p:animEffect transition="in" filter="fade">
+                                      <p:cBhvr>
+                                        <p:cTn id="12" dur="500"/>
+                                        <p:tgtEl>
+                                          <p:spTgt spid="9"/>
+                                        </p:tgtEl>
+                                      </p:cBhvr>
+                                    </p:animEffect>
+                                  </p:childTnLst>
+                                </p:cTn>
+                              </p:par>
+                            </p:childTnLst>
+                          </p:cTn>
+                        </p:par>
+                      </p:childTnLst>
+                    </p:cTn>
+                  </p:par>
+                </p:childTnLst>
+              </p:cTn>
+              <p:prevCondLst>
+                <p:cond evt="onPrev" delay="0">
+                  <p:tgtEl>
+                    <p:sldTgt/>
+                  </p:tgtEl>
+                </p:cond>
+              </p:prevCondLst>
+              <p:nextCondLst>
+                <p:cond evt="onNext" delay="0">
+                  <p:tgtEl>
+                    <p:sldTgt/>
+                  </p:tgtEl>
+                </p:cond>
+              </p:nextCondLst>
+            </p:seq>
+          </p:childTnLst>
+        </p:cTn>
+      </p:par>
+    </p:tnLst>
+    <p:bldLst>
+      <p:bldP spid="7" grpId="0"/>
+      <p:bldP spid="9" grpId="0"/>
+    </p:bldLst>
   </p:timing>
 </p:sld>
 </file>
@@ -7261,10 +8388,14 @@
           <a:p>
             <a:pPr algn="l"/>
             <a:r>
-              <a:rPr lang="de-DE" b="1" dirty="0" err="1" smtClean="0"/>
+              <a:rPr lang="de-DE" b="1" dirty="0" err="1" smtClean="0">
+                <a:latin typeface="160MKSDAL" panose="00000400000000000000" pitchFamily="2" charset="0"/>
+              </a:rPr>
               <a:t>Overview</a:t>
             </a:r>
-            <a:endParaRPr lang="en-GB" b="1" dirty="0"/>
+            <a:endParaRPr lang="en-GB" b="1" dirty="0">
+              <a:latin typeface="160MKSDAL" panose="00000400000000000000" pitchFamily="2" charset="0"/>
+            </a:endParaRPr>
           </a:p>
         </p:txBody>
       </p:sp>
@@ -7288,26 +8419,38 @@
               <a:buAutoNum type="arabicPeriod"/>
             </a:pPr>
             <a:r>
-              <a:rPr lang="de-DE" dirty="0" err="1" smtClean="0"/>
+              <a:rPr lang="de-DE" dirty="0" err="1" smtClean="0">
+                <a:latin typeface="160MKSDAL" panose="00000400000000000000" pitchFamily="2" charset="0"/>
+              </a:rPr>
               <a:t>Concept</a:t>
             </a:r>
             <a:r>
-              <a:rPr lang="de-DE" dirty="0" smtClean="0"/>
+              <a:rPr lang="de-DE" dirty="0" smtClean="0">
+                <a:latin typeface="160MKSDAL" panose="00000400000000000000" pitchFamily="2" charset="0"/>
+              </a:rPr>
               <a:t> </a:t>
             </a:r>
             <a:r>
-              <a:rPr lang="de-DE" dirty="0" err="1" smtClean="0"/>
+              <a:rPr lang="de-DE" dirty="0" err="1" smtClean="0">
+                <a:latin typeface="160MKSDAL" panose="00000400000000000000" pitchFamily="2" charset="0"/>
+              </a:rPr>
               <a:t>and</a:t>
             </a:r>
             <a:r>
-              <a:rPr lang="de-DE" dirty="0" smtClean="0"/>
+              <a:rPr lang="de-DE" dirty="0" smtClean="0">
+                <a:latin typeface="160MKSDAL" panose="00000400000000000000" pitchFamily="2" charset="0"/>
+              </a:rPr>
               <a:t> </a:t>
             </a:r>
             <a:r>
-              <a:rPr lang="de-DE" dirty="0" err="1" smtClean="0"/>
+              <a:rPr lang="de-DE" dirty="0" err="1" smtClean="0">
+                <a:latin typeface="160MKSDAL" panose="00000400000000000000" pitchFamily="2" charset="0"/>
+              </a:rPr>
               <a:t>idea</a:t>
             </a:r>
-            <a:endParaRPr lang="de-DE" dirty="0" smtClean="0"/>
+            <a:endParaRPr lang="de-DE" dirty="0" smtClean="0">
+              <a:latin typeface="160MKSDAL" panose="00000400000000000000" pitchFamily="2" charset="0"/>
+            </a:endParaRPr>
           </a:p>
           <a:p>
             <a:pPr marL="514350" indent="-514350">
@@ -7315,26 +8458,38 @@
               <a:buAutoNum type="arabicPeriod"/>
             </a:pPr>
             <a:r>
-              <a:rPr lang="de-DE" dirty="0" err="1" smtClean="0"/>
+              <a:rPr lang="de-DE" dirty="0" err="1" smtClean="0">
+                <a:latin typeface="160MKSDAL" panose="00000400000000000000" pitchFamily="2" charset="0"/>
+              </a:rPr>
               <a:t>Typical</a:t>
             </a:r>
             <a:r>
-              <a:rPr lang="de-DE" dirty="0" smtClean="0"/>
+              <a:rPr lang="de-DE" dirty="0" smtClean="0">
+                <a:latin typeface="160MKSDAL" panose="00000400000000000000" pitchFamily="2" charset="0"/>
+              </a:rPr>
               <a:t> </a:t>
             </a:r>
             <a:r>
-              <a:rPr lang="de-DE" dirty="0" err="1" smtClean="0"/>
+              <a:rPr lang="de-DE" dirty="0" err="1" smtClean="0">
+                <a:latin typeface="160MKSDAL" panose="00000400000000000000" pitchFamily="2" charset="0"/>
+              </a:rPr>
               <a:t>use</a:t>
             </a:r>
             <a:r>
-              <a:rPr lang="de-DE" dirty="0" smtClean="0"/>
+              <a:rPr lang="de-DE" dirty="0" smtClean="0">
+                <a:latin typeface="160MKSDAL" panose="00000400000000000000" pitchFamily="2" charset="0"/>
+              </a:rPr>
               <a:t> </a:t>
             </a:r>
             <a:r>
-              <a:rPr lang="de-DE" dirty="0" err="1" smtClean="0"/>
+              <a:rPr lang="de-DE" dirty="0" err="1" smtClean="0">
+                <a:latin typeface="160MKSDAL" panose="00000400000000000000" pitchFamily="2" charset="0"/>
+              </a:rPr>
               <a:t>cases</a:t>
             </a:r>
-            <a:endParaRPr lang="de-DE" dirty="0" smtClean="0"/>
+            <a:endParaRPr lang="de-DE" dirty="0" smtClean="0">
+              <a:latin typeface="160MKSDAL" panose="00000400000000000000" pitchFamily="2" charset="0"/>
+            </a:endParaRPr>
           </a:p>
           <a:p>
             <a:pPr marL="514350" indent="-514350">
@@ -7342,14 +8497,20 @@
               <a:buAutoNum type="arabicPeriod"/>
             </a:pPr>
             <a:r>
-              <a:rPr lang="de-DE" dirty="0" smtClean="0"/>
+              <a:rPr lang="de-DE" dirty="0" smtClean="0">
+                <a:latin typeface="160MKSDAL" panose="00000400000000000000" pitchFamily="2" charset="0"/>
+              </a:rPr>
               <a:t>Technical </a:t>
             </a:r>
             <a:r>
-              <a:rPr lang="de-DE" dirty="0" err="1" smtClean="0"/>
+              <a:rPr lang="de-DE" dirty="0" err="1" smtClean="0">
+                <a:latin typeface="160MKSDAL" panose="00000400000000000000" pitchFamily="2" charset="0"/>
+              </a:rPr>
               <a:t>explanation</a:t>
             </a:r>
-            <a:endParaRPr lang="de-DE" dirty="0" smtClean="0"/>
+            <a:endParaRPr lang="de-DE" dirty="0" smtClean="0">
+              <a:latin typeface="160MKSDAL" panose="00000400000000000000" pitchFamily="2" charset="0"/>
+            </a:endParaRPr>
           </a:p>
           <a:p>
             <a:pPr marL="514350" indent="-514350">
@@ -7357,18 +8518,26 @@
               <a:buAutoNum type="arabicPeriod"/>
             </a:pPr>
             <a:r>
-              <a:rPr lang="de-DE" dirty="0" err="1" smtClean="0"/>
-              <a:t>Concrete</a:t>
-            </a:r>
-            <a:r>
-              <a:rPr lang="de-DE" dirty="0" smtClean="0"/>
+              <a:rPr lang="de-DE" dirty="0" err="1" smtClean="0">
+                <a:latin typeface="160MKSDAL" panose="00000400000000000000" pitchFamily="2" charset="0"/>
+              </a:rPr>
+              <a:t>Example</a:t>
+            </a:r>
+            <a:r>
+              <a:rPr lang="de-DE" dirty="0" smtClean="0">
+                <a:latin typeface="160MKSDAL" panose="00000400000000000000" pitchFamily="2" charset="0"/>
+              </a:rPr>
               <a:t> </a:t>
             </a:r>
             <a:r>
-              <a:rPr lang="de-DE" dirty="0" err="1" smtClean="0"/>
-              <a:t>example</a:t>
-            </a:r>
-            <a:endParaRPr lang="de-DE" dirty="0" smtClean="0"/>
+              <a:rPr lang="de-DE" dirty="0" err="1" smtClean="0">
+                <a:latin typeface="160MKSDAL" panose="00000400000000000000" pitchFamily="2" charset="0"/>
+              </a:rPr>
+              <a:t>tasks</a:t>
+            </a:r>
+            <a:endParaRPr lang="de-DE" dirty="0" smtClean="0">
+              <a:latin typeface="160MKSDAL" panose="00000400000000000000" pitchFamily="2" charset="0"/>
+            </a:endParaRPr>
           </a:p>
           <a:p>
             <a:pPr marL="514350" indent="-514350">
@@ -7376,18 +8545,14 @@
               <a:buAutoNum type="arabicPeriod"/>
             </a:pPr>
             <a:r>
-              <a:rPr lang="de-DE" dirty="0" err="1" smtClean="0"/>
-              <a:t>Example</a:t>
-            </a:r>
-            <a:r>
-              <a:rPr lang="de-DE" dirty="0" smtClean="0"/>
-              <a:t> </a:t>
-            </a:r>
-            <a:r>
-              <a:rPr lang="de-DE" dirty="0" err="1" smtClean="0"/>
-              <a:t>tasks</a:t>
-            </a:r>
-            <a:endParaRPr lang="de-DE" dirty="0" smtClean="0"/>
+              <a:rPr lang="de-DE" dirty="0" smtClean="0">
+                <a:latin typeface="160MKSDAL" panose="00000400000000000000" pitchFamily="2" charset="0"/>
+              </a:rPr>
+              <a:t>Quiz</a:t>
+            </a:r>
+            <a:endParaRPr lang="de-DE" dirty="0" smtClean="0">
+              <a:latin typeface="160MKSDAL" panose="00000400000000000000" pitchFamily="2" charset="0"/>
+            </a:endParaRPr>
           </a:p>
           <a:p>
             <a:endParaRPr lang="de-DE" dirty="0"/>
@@ -7397,18 +8562,26 @@
               <a:buNone/>
             </a:pPr>
             <a:r>
-              <a:rPr lang="de-DE" dirty="0" smtClean="0"/>
+              <a:rPr lang="de-DE" dirty="0" smtClean="0">
+                <a:latin typeface="160MKSDAL" panose="00000400000000000000" pitchFamily="2" charset="0"/>
+              </a:rPr>
               <a:t>Time: </a:t>
             </a:r>
             <a:r>
-              <a:rPr lang="de-DE" dirty="0" err="1" smtClean="0"/>
+              <a:rPr lang="de-DE" dirty="0" err="1" smtClean="0">
+                <a:latin typeface="160MKSDAL" panose="00000400000000000000" pitchFamily="2" charset="0"/>
+              </a:rPr>
               <a:t>approx</a:t>
             </a:r>
             <a:r>
-              <a:rPr lang="de-DE" dirty="0" smtClean="0"/>
+              <a:rPr lang="de-DE" dirty="0" smtClean="0">
+                <a:latin typeface="160MKSDAL" panose="00000400000000000000" pitchFamily="2" charset="0"/>
+              </a:rPr>
               <a:t>. 60 min</a:t>
             </a:r>
-            <a:endParaRPr lang="en-GB" dirty="0"/>
+            <a:endParaRPr lang="en-GB" dirty="0">
+              <a:latin typeface="160MKSDAL" panose="00000400000000000000" pitchFamily="2" charset="0"/>
+            </a:endParaRPr>
           </a:p>
         </p:txBody>
       </p:sp>
@@ -7429,7 +8602,7 @@
           <a:p>
             <a:fld id="{9A7F5378-5E54-4644-8826-FAEBF8248D25}" type="datetime1">
               <a:rPr lang="en-GB" smtClean="0"/>
-              <a:t>08/09/2025</a:t>
+              <a:t>09/09/2025</a:t>
             </a:fld>
             <a:endParaRPr lang="en-GB"/>
           </a:p>
@@ -7497,6 +8670,1081 @@
         <p:cTn id="1" dur="indefinite" restart="never" nodeType="tmRoot"/>
       </p:par>
     </p:tnLst>
+  </p:timing>
+</p:sld>
+</file>
+
+<file path=ppt/slides/slide20.xml><?xml version="1.0" encoding="utf-8"?>
+<p:sld xmlns:a="http://schemas.openxmlformats.org/drawingml/2006/main" xmlns:r="http://schemas.openxmlformats.org/officeDocument/2006/relationships" xmlns:p="http://schemas.openxmlformats.org/presentationml/2006/main">
+  <p:cSld>
+    <p:spTree>
+      <p:nvGrpSpPr>
+        <p:cNvPr id="1" name=""/>
+        <p:cNvGrpSpPr/>
+        <p:nvPr/>
+      </p:nvGrpSpPr>
+      <p:grpSpPr>
+        <a:xfrm>
+          <a:off x="0" y="0"/>
+          <a:ext cx="0" cy="0"/>
+          <a:chOff x="0" y="0"/>
+          <a:chExt cx="0" cy="0"/>
+        </a:xfrm>
+      </p:grpSpPr>
+      <p:sp>
+        <p:nvSpPr>
+          <p:cNvPr id="2" name="Titel 1"/>
+          <p:cNvSpPr>
+            <a:spLocks noGrp="1"/>
+          </p:cNvSpPr>
+          <p:nvPr>
+            <p:ph type="title"/>
+          </p:nvPr>
+        </p:nvSpPr>
+        <p:spPr/>
+        <p:txBody>
+          <a:bodyPr/>
+          <a:lstStyle/>
+          <a:p>
+            <a:pPr algn="l"/>
+            <a:r>
+              <a:rPr lang="de-DE" b="1" dirty="0" smtClean="0">
+                <a:latin typeface="160MKSDAL" panose="00000400000000000000" pitchFamily="2" charset="0"/>
+              </a:rPr>
+              <a:t>5. Quiz</a:t>
+            </a:r>
+            <a:endParaRPr lang="de-DE" b="1" dirty="0">
+              <a:latin typeface="160MKSDAL" panose="00000400000000000000" pitchFamily="2" charset="0"/>
+            </a:endParaRPr>
+          </a:p>
+        </p:txBody>
+      </p:sp>
+      <p:sp>
+        <p:nvSpPr>
+          <p:cNvPr id="4" name="Datumsplatzhalter 3"/>
+          <p:cNvSpPr>
+            <a:spLocks noGrp="1"/>
+          </p:cNvSpPr>
+          <p:nvPr>
+            <p:ph type="dt" sz="half" idx="10"/>
+          </p:nvPr>
+        </p:nvSpPr>
+        <p:spPr/>
+        <p:txBody>
+          <a:bodyPr/>
+          <a:lstStyle/>
+          <a:p>
+            <a:fld id="{B76EA9ED-964D-45D5-B092-6745BDFC4427}" type="datetime1">
+              <a:rPr lang="en-GB" smtClean="0"/>
+              <a:t>09/09/2025</a:t>
+            </a:fld>
+            <a:endParaRPr lang="en-GB"/>
+          </a:p>
+        </p:txBody>
+      </p:sp>
+      <p:sp>
+        <p:nvSpPr>
+          <p:cNvPr id="5" name="Fußzeilenplatzhalter 4"/>
+          <p:cNvSpPr>
+            <a:spLocks noGrp="1"/>
+          </p:cNvSpPr>
+          <p:nvPr>
+            <p:ph type="ftr" sz="quarter" idx="11"/>
+          </p:nvPr>
+        </p:nvSpPr>
+        <p:spPr/>
+        <p:txBody>
+          <a:bodyPr/>
+          <a:lstStyle/>
+          <a:p>
+            <a:r>
+              <a:rPr lang="en-GB" smtClean="0"/>
+              <a:t>Barcamp: Observer (Publish and subscribe)</a:t>
+            </a:r>
+            <a:endParaRPr lang="en-GB"/>
+          </a:p>
+        </p:txBody>
+      </p:sp>
+      <p:sp>
+        <p:nvSpPr>
+          <p:cNvPr id="6" name="Foliennummernplatzhalter 5"/>
+          <p:cNvSpPr>
+            <a:spLocks noGrp="1"/>
+          </p:cNvSpPr>
+          <p:nvPr>
+            <p:ph type="sldNum" sz="quarter" idx="12"/>
+          </p:nvPr>
+        </p:nvSpPr>
+        <p:spPr/>
+        <p:txBody>
+          <a:bodyPr/>
+          <a:lstStyle/>
+          <a:p>
+            <a:fld id="{CD8C646F-A972-4D58-B485-1F42B8E51682}" type="slidenum">
+              <a:rPr lang="en-GB" smtClean="0"/>
+              <a:t>20</a:t>
+            </a:fld>
+            <a:endParaRPr lang="en-GB"/>
+          </a:p>
+        </p:txBody>
+      </p:sp>
+      <p:sp>
+        <p:nvSpPr>
+          <p:cNvPr id="7" name="Titel 1"/>
+          <p:cNvSpPr txBox="1">
+            <a:spLocks/>
+          </p:cNvSpPr>
+          <p:nvPr/>
+        </p:nvSpPr>
+        <p:spPr>
+          <a:xfrm>
+            <a:off x="685800" y="2247007"/>
+            <a:ext cx="7772400" cy="1470025"/>
+          </a:xfrm>
+          <a:prstGeom prst="rect">
+            <a:avLst/>
+          </a:prstGeom>
+        </p:spPr>
+        <p:txBody>
+          <a:bodyPr vert="horz" lIns="91440" tIns="45720" rIns="91440" bIns="45720" rtlCol="0" anchor="ctr">
+            <a:normAutofit/>
+          </a:bodyPr>
+          <a:lstStyle>
+            <a:lvl1pPr algn="ctr" defTabSz="914400" rtl="0" eaLnBrk="1" latinLnBrk="0" hangingPunct="1">
+              <a:spcBef>
+                <a:spcPct val="0"/>
+              </a:spcBef>
+              <a:buNone/>
+              <a:defRPr sz="4400" kern="1200">
+                <a:solidFill>
+                  <a:schemeClr val="tx1"/>
+                </a:solidFill>
+                <a:latin typeface="+mj-lt"/>
+                <a:ea typeface="+mj-ea"/>
+                <a:cs typeface="+mj-cs"/>
+              </a:defRPr>
+            </a:lvl1pPr>
+          </a:lstStyle>
+          <a:p>
+            <a:r>
+              <a:rPr lang="de-DE" sz="2800" dirty="0" err="1" smtClean="0">
+                <a:solidFill>
+                  <a:srgbClr val="FF3300"/>
+                </a:solidFill>
+                <a:effectLst>
+                  <a:outerShdw blurRad="38100" dist="38100" dir="2700000" algn="tl">
+                    <a:srgbClr val="000000">
+                      <a:alpha val="43137"/>
+                    </a:srgbClr>
+                  </a:outerShdw>
+                </a:effectLst>
+                <a:latin typeface="160MKSDAL" panose="00000400000000000000" pitchFamily="2" charset="0"/>
+              </a:rPr>
+              <a:t>Question</a:t>
+            </a:r>
+            <a:r>
+              <a:rPr lang="de-DE" sz="2800" dirty="0" smtClean="0">
+                <a:solidFill>
+                  <a:srgbClr val="FF3300"/>
+                </a:solidFill>
+                <a:effectLst>
+                  <a:outerShdw blurRad="38100" dist="38100" dir="2700000" algn="tl">
+                    <a:srgbClr val="000000">
+                      <a:alpha val="43137"/>
+                    </a:srgbClr>
+                  </a:outerShdw>
+                </a:effectLst>
+                <a:latin typeface="160MKSDAL" panose="00000400000000000000" pitchFamily="2" charset="0"/>
+              </a:rPr>
+              <a:t> 3:</a:t>
+            </a:r>
+          </a:p>
+          <a:p>
+            <a:r>
+              <a:rPr lang="de-DE" sz="2800" b="1" dirty="0" err="1" smtClean="0"/>
+              <a:t>What</a:t>
+            </a:r>
+            <a:r>
+              <a:rPr lang="de-DE" sz="2800" b="1" dirty="0" smtClean="0"/>
+              <a:t> </a:t>
+            </a:r>
+            <a:r>
+              <a:rPr lang="de-DE" sz="2800" b="1" dirty="0" err="1" smtClean="0"/>
+              <a:t>is</a:t>
+            </a:r>
+            <a:r>
+              <a:rPr lang="de-DE" sz="2800" b="1" dirty="0" smtClean="0"/>
+              <a:t> still </a:t>
+            </a:r>
+            <a:r>
+              <a:rPr lang="de-DE" sz="2800" b="1" dirty="0" err="1" smtClean="0"/>
+              <a:t>missing</a:t>
+            </a:r>
+            <a:r>
+              <a:rPr lang="de-DE" sz="2800" b="1" dirty="0" smtClean="0"/>
+              <a:t>?</a:t>
+            </a:r>
+            <a:endParaRPr lang="en-GB" sz="1400" i="1" dirty="0"/>
+          </a:p>
+        </p:txBody>
+      </p:sp>
+      <p:sp>
+        <p:nvSpPr>
+          <p:cNvPr id="9" name="Titel 1"/>
+          <p:cNvSpPr txBox="1">
+            <a:spLocks/>
+          </p:cNvSpPr>
+          <p:nvPr/>
+        </p:nvSpPr>
+        <p:spPr>
+          <a:xfrm>
+            <a:off x="395536" y="3399135"/>
+            <a:ext cx="8352928" cy="1470025"/>
+          </a:xfrm>
+          <a:prstGeom prst="rect">
+            <a:avLst/>
+          </a:prstGeom>
+        </p:spPr>
+        <p:txBody>
+          <a:bodyPr vert="horz" lIns="91440" tIns="45720" rIns="91440" bIns="45720" rtlCol="0" anchor="ctr">
+            <a:normAutofit/>
+          </a:bodyPr>
+          <a:lstStyle>
+            <a:lvl1pPr algn="ctr" defTabSz="914400" rtl="0" eaLnBrk="1" latinLnBrk="0" hangingPunct="1">
+              <a:spcBef>
+                <a:spcPct val="0"/>
+              </a:spcBef>
+              <a:buNone/>
+              <a:defRPr sz="4400" kern="1200">
+                <a:solidFill>
+                  <a:schemeClr val="tx1"/>
+                </a:solidFill>
+                <a:latin typeface="+mj-lt"/>
+                <a:ea typeface="+mj-ea"/>
+                <a:cs typeface="+mj-cs"/>
+              </a:defRPr>
+            </a:lvl1pPr>
+          </a:lstStyle>
+          <a:p>
+            <a:r>
+              <a:rPr lang="de-DE" sz="2800" dirty="0" err="1" smtClean="0">
+                <a:solidFill>
+                  <a:srgbClr val="009900"/>
+                </a:solidFill>
+                <a:effectLst>
+                  <a:outerShdw blurRad="38100" dist="38100" dir="2700000" algn="tl">
+                    <a:srgbClr val="000000">
+                      <a:alpha val="43137"/>
+                    </a:srgbClr>
+                  </a:outerShdw>
+                </a:effectLst>
+                <a:latin typeface="160MKSDAL" panose="00000400000000000000" pitchFamily="2" charset="0"/>
+              </a:rPr>
+              <a:t>Answer</a:t>
+            </a:r>
+            <a:r>
+              <a:rPr lang="de-DE" sz="2800" dirty="0" smtClean="0">
+                <a:solidFill>
+                  <a:srgbClr val="009900"/>
+                </a:solidFill>
+                <a:effectLst>
+                  <a:outerShdw blurRad="38100" dist="38100" dir="2700000" algn="tl">
+                    <a:srgbClr val="000000">
+                      <a:alpha val="43137"/>
+                    </a:srgbClr>
+                  </a:outerShdw>
+                </a:effectLst>
+                <a:latin typeface="160MKSDAL" panose="00000400000000000000" pitchFamily="2" charset="0"/>
+              </a:rPr>
+              <a:t>:</a:t>
+            </a:r>
+          </a:p>
+          <a:p>
+            <a:r>
+              <a:rPr lang="de-DE" sz="2800" b="1" dirty="0" smtClean="0"/>
+              <a:t>The „</a:t>
+            </a:r>
+            <a:r>
+              <a:rPr lang="de-DE" sz="2800" b="1" dirty="0" err="1" smtClean="0"/>
+              <a:t>list</a:t>
+            </a:r>
+            <a:r>
+              <a:rPr lang="de-DE" sz="2800" b="1" dirty="0" smtClean="0"/>
+              <a:t>“ </a:t>
+            </a:r>
+            <a:r>
+              <a:rPr lang="de-DE" sz="2800" b="1" dirty="0" err="1" smtClean="0"/>
+              <a:t>to</a:t>
+            </a:r>
+            <a:r>
+              <a:rPr lang="de-DE" sz="2800" b="1" dirty="0" smtClean="0"/>
+              <a:t> save </a:t>
+            </a:r>
+            <a:r>
+              <a:rPr lang="de-DE" sz="2800" b="1" dirty="0" err="1" smtClean="0"/>
+              <a:t>each</a:t>
+            </a:r>
+            <a:r>
+              <a:rPr lang="de-DE" sz="2800" b="1" dirty="0" smtClean="0"/>
+              <a:t> </a:t>
+            </a:r>
+            <a:r>
+              <a:rPr lang="de-DE" sz="2800" b="1" dirty="0" err="1" smtClean="0"/>
+              <a:t>subscriber</a:t>
+            </a:r>
+            <a:endParaRPr lang="en-GB" sz="1400" i="1" dirty="0"/>
+          </a:p>
+        </p:txBody>
+      </p:sp>
+    </p:spTree>
+    <p:extLst>
+      <p:ext uri="{BB962C8B-B14F-4D97-AF65-F5344CB8AC3E}">
+        <p14:creationId xmlns:p14="http://schemas.microsoft.com/office/powerpoint/2010/main" val="3892627683"/>
+      </p:ext>
+    </p:extLst>
+  </p:cSld>
+  <p:clrMapOvr>
+    <a:masterClrMapping/>
+  </p:clrMapOvr>
+  <mc:AlternateContent xmlns:mc="http://schemas.openxmlformats.org/markup-compatibility/2006" xmlns:p14="http://schemas.microsoft.com/office/powerpoint/2010/main">
+    <mc:Choice Requires="p14">
+      <p:transition spd="med" p14:dur="700">
+        <p:fade/>
+      </p:transition>
+    </mc:Choice>
+    <mc:Fallback xmlns="">
+      <p:transition spd="med">
+        <p:fade/>
+      </p:transition>
+    </mc:Fallback>
+  </mc:AlternateContent>
+  <p:timing>
+    <p:tnLst>
+      <p:par>
+        <p:cTn id="1" dur="indefinite" restart="never" nodeType="tmRoot">
+          <p:childTnLst>
+            <p:seq concurrent="1" nextAc="seek">
+              <p:cTn id="2" dur="indefinite" nodeType="mainSeq">
+                <p:childTnLst>
+                  <p:par>
+                    <p:cTn id="3" fill="hold">
+                      <p:stCondLst>
+                        <p:cond delay="indefinite"/>
+                      </p:stCondLst>
+                      <p:childTnLst>
+                        <p:par>
+                          <p:cTn id="4" fill="hold">
+                            <p:stCondLst>
+                              <p:cond delay="0"/>
+                            </p:stCondLst>
+                            <p:childTnLst>
+                              <p:par>
+                                <p:cTn id="5" presetID="10" presetClass="entr" presetSubtype="0" fill="hold" grpId="0" nodeType="clickEffect">
+                                  <p:stCondLst>
+                                    <p:cond delay="0"/>
+                                  </p:stCondLst>
+                                  <p:childTnLst>
+                                    <p:set>
+                                      <p:cBhvr>
+                                        <p:cTn id="6" dur="1" fill="hold">
+                                          <p:stCondLst>
+                                            <p:cond delay="0"/>
+                                          </p:stCondLst>
+                                        </p:cTn>
+                                        <p:tgtEl>
+                                          <p:spTgt spid="7"/>
+                                        </p:tgtEl>
+                                        <p:attrNameLst>
+                                          <p:attrName>style.visibility</p:attrName>
+                                        </p:attrNameLst>
+                                      </p:cBhvr>
+                                      <p:to>
+                                        <p:strVal val="visible"/>
+                                      </p:to>
+                                    </p:set>
+                                    <p:animEffect transition="in" filter="fade">
+                                      <p:cBhvr>
+                                        <p:cTn id="7" dur="500"/>
+                                        <p:tgtEl>
+                                          <p:spTgt spid="7"/>
+                                        </p:tgtEl>
+                                      </p:cBhvr>
+                                    </p:animEffect>
+                                  </p:childTnLst>
+                                </p:cTn>
+                              </p:par>
+                            </p:childTnLst>
+                          </p:cTn>
+                        </p:par>
+                      </p:childTnLst>
+                    </p:cTn>
+                  </p:par>
+                  <p:par>
+                    <p:cTn id="8" fill="hold">
+                      <p:stCondLst>
+                        <p:cond delay="indefinite"/>
+                      </p:stCondLst>
+                      <p:childTnLst>
+                        <p:par>
+                          <p:cTn id="9" fill="hold">
+                            <p:stCondLst>
+                              <p:cond delay="0"/>
+                            </p:stCondLst>
+                            <p:childTnLst>
+                              <p:par>
+                                <p:cTn id="10" presetID="10" presetClass="entr" presetSubtype="0" fill="hold" grpId="0" nodeType="clickEffect">
+                                  <p:stCondLst>
+                                    <p:cond delay="0"/>
+                                  </p:stCondLst>
+                                  <p:childTnLst>
+                                    <p:set>
+                                      <p:cBhvr>
+                                        <p:cTn id="11" dur="1" fill="hold">
+                                          <p:stCondLst>
+                                            <p:cond delay="0"/>
+                                          </p:stCondLst>
+                                        </p:cTn>
+                                        <p:tgtEl>
+                                          <p:spTgt spid="9"/>
+                                        </p:tgtEl>
+                                        <p:attrNameLst>
+                                          <p:attrName>style.visibility</p:attrName>
+                                        </p:attrNameLst>
+                                      </p:cBhvr>
+                                      <p:to>
+                                        <p:strVal val="visible"/>
+                                      </p:to>
+                                    </p:set>
+                                    <p:animEffect transition="in" filter="fade">
+                                      <p:cBhvr>
+                                        <p:cTn id="12" dur="500"/>
+                                        <p:tgtEl>
+                                          <p:spTgt spid="9"/>
+                                        </p:tgtEl>
+                                      </p:cBhvr>
+                                    </p:animEffect>
+                                  </p:childTnLst>
+                                </p:cTn>
+                              </p:par>
+                            </p:childTnLst>
+                          </p:cTn>
+                        </p:par>
+                      </p:childTnLst>
+                    </p:cTn>
+                  </p:par>
+                </p:childTnLst>
+              </p:cTn>
+              <p:prevCondLst>
+                <p:cond evt="onPrev" delay="0">
+                  <p:tgtEl>
+                    <p:sldTgt/>
+                  </p:tgtEl>
+                </p:cond>
+              </p:prevCondLst>
+              <p:nextCondLst>
+                <p:cond evt="onNext" delay="0">
+                  <p:tgtEl>
+                    <p:sldTgt/>
+                  </p:tgtEl>
+                </p:cond>
+              </p:nextCondLst>
+            </p:seq>
+          </p:childTnLst>
+        </p:cTn>
+      </p:par>
+    </p:tnLst>
+    <p:bldLst>
+      <p:bldP spid="7" grpId="0"/>
+      <p:bldP spid="9" grpId="0"/>
+    </p:bldLst>
+  </p:timing>
+</p:sld>
+</file>
+
+<file path=ppt/slides/slide21.xml><?xml version="1.0" encoding="utf-8"?>
+<p:sld xmlns:a="http://schemas.openxmlformats.org/drawingml/2006/main" xmlns:r="http://schemas.openxmlformats.org/officeDocument/2006/relationships" xmlns:p="http://schemas.openxmlformats.org/presentationml/2006/main">
+  <p:cSld>
+    <p:spTree>
+      <p:nvGrpSpPr>
+        <p:cNvPr id="1" name=""/>
+        <p:cNvGrpSpPr/>
+        <p:nvPr/>
+      </p:nvGrpSpPr>
+      <p:grpSpPr>
+        <a:xfrm>
+          <a:off x="0" y="0"/>
+          <a:ext cx="0" cy="0"/>
+          <a:chOff x="0" y="0"/>
+          <a:chExt cx="0" cy="0"/>
+        </a:xfrm>
+      </p:grpSpPr>
+      <p:sp>
+        <p:nvSpPr>
+          <p:cNvPr id="4" name="Datumsplatzhalter 3"/>
+          <p:cNvSpPr>
+            <a:spLocks noGrp="1"/>
+          </p:cNvSpPr>
+          <p:nvPr>
+            <p:ph type="dt" sz="half" idx="10"/>
+          </p:nvPr>
+        </p:nvSpPr>
+        <p:spPr/>
+        <p:txBody>
+          <a:bodyPr/>
+          <a:lstStyle/>
+          <a:p>
+            <a:fld id="{B76EA9ED-964D-45D5-B092-6745BDFC4427}" type="datetime1">
+              <a:rPr lang="en-GB" smtClean="0"/>
+              <a:t>09/09/2025</a:t>
+            </a:fld>
+            <a:endParaRPr lang="en-GB"/>
+          </a:p>
+        </p:txBody>
+      </p:sp>
+      <p:sp>
+        <p:nvSpPr>
+          <p:cNvPr id="5" name="Fußzeilenplatzhalter 4"/>
+          <p:cNvSpPr>
+            <a:spLocks noGrp="1"/>
+          </p:cNvSpPr>
+          <p:nvPr>
+            <p:ph type="ftr" sz="quarter" idx="11"/>
+          </p:nvPr>
+        </p:nvSpPr>
+        <p:spPr/>
+        <p:txBody>
+          <a:bodyPr/>
+          <a:lstStyle/>
+          <a:p>
+            <a:r>
+              <a:rPr lang="en-GB" smtClean="0"/>
+              <a:t>Barcamp: Observer (Publish and subscribe)</a:t>
+            </a:r>
+            <a:endParaRPr lang="en-GB"/>
+          </a:p>
+        </p:txBody>
+      </p:sp>
+      <p:sp>
+        <p:nvSpPr>
+          <p:cNvPr id="6" name="Foliennummernplatzhalter 5"/>
+          <p:cNvSpPr>
+            <a:spLocks noGrp="1"/>
+          </p:cNvSpPr>
+          <p:nvPr>
+            <p:ph type="sldNum" sz="quarter" idx="12"/>
+          </p:nvPr>
+        </p:nvSpPr>
+        <p:spPr/>
+        <p:txBody>
+          <a:bodyPr/>
+          <a:lstStyle/>
+          <a:p>
+            <a:fld id="{CD8C646F-A972-4D58-B485-1F42B8E51682}" type="slidenum">
+              <a:rPr lang="en-GB" smtClean="0"/>
+              <a:t>21</a:t>
+            </a:fld>
+            <a:endParaRPr lang="en-GB"/>
+          </a:p>
+        </p:txBody>
+      </p:sp>
+      <p:sp>
+        <p:nvSpPr>
+          <p:cNvPr id="7" name="Titel 1"/>
+          <p:cNvSpPr txBox="1">
+            <a:spLocks/>
+          </p:cNvSpPr>
+          <p:nvPr/>
+        </p:nvSpPr>
+        <p:spPr>
+          <a:xfrm>
+            <a:off x="685800" y="2882801"/>
+            <a:ext cx="7772400" cy="690215"/>
+          </a:xfrm>
+          <a:prstGeom prst="rect">
+            <a:avLst/>
+          </a:prstGeom>
+        </p:spPr>
+        <p:txBody>
+          <a:bodyPr vert="horz" lIns="91440" tIns="45720" rIns="91440" bIns="45720" rtlCol="0" anchor="ctr">
+            <a:normAutofit fontScale="92500" lnSpcReduction="20000"/>
+          </a:bodyPr>
+          <a:lstStyle>
+            <a:lvl1pPr algn="ctr" defTabSz="914400" rtl="0" eaLnBrk="1" latinLnBrk="0" hangingPunct="1">
+              <a:spcBef>
+                <a:spcPct val="0"/>
+              </a:spcBef>
+              <a:buNone/>
+              <a:defRPr sz="4400" kern="1200">
+                <a:solidFill>
+                  <a:schemeClr val="tx1"/>
+                </a:solidFill>
+                <a:latin typeface="+mj-lt"/>
+                <a:ea typeface="+mj-ea"/>
+                <a:cs typeface="+mj-cs"/>
+              </a:defRPr>
+            </a:lvl1pPr>
+          </a:lstStyle>
+          <a:p>
+            <a:r>
+              <a:rPr lang="de-DE" sz="4900" b="1" dirty="0" err="1" smtClean="0">
+                <a:effectLst>
+                  <a:outerShdw blurRad="38100" dist="38100" dir="2700000" algn="tl">
+                    <a:srgbClr val="000000">
+                      <a:alpha val="43137"/>
+                    </a:srgbClr>
+                  </a:outerShdw>
+                </a:effectLst>
+                <a:latin typeface="160MKSDAL" panose="00000400000000000000" pitchFamily="2" charset="0"/>
+              </a:rPr>
+              <a:t>Thank</a:t>
+            </a:r>
+            <a:r>
+              <a:rPr lang="de-DE" sz="4900" b="1" dirty="0" smtClean="0">
+                <a:effectLst>
+                  <a:outerShdw blurRad="38100" dist="38100" dir="2700000" algn="tl">
+                    <a:srgbClr val="000000">
+                      <a:alpha val="43137"/>
+                    </a:srgbClr>
+                  </a:outerShdw>
+                </a:effectLst>
+                <a:latin typeface="160MKSDAL" panose="00000400000000000000" pitchFamily="2" charset="0"/>
+              </a:rPr>
+              <a:t> </a:t>
+            </a:r>
+            <a:r>
+              <a:rPr lang="de-DE" sz="4900" b="1" dirty="0" err="1" smtClean="0">
+                <a:effectLst>
+                  <a:outerShdw blurRad="38100" dist="38100" dir="2700000" algn="tl">
+                    <a:srgbClr val="000000">
+                      <a:alpha val="43137"/>
+                    </a:srgbClr>
+                  </a:outerShdw>
+                </a:effectLst>
+                <a:latin typeface="160MKSDAL" panose="00000400000000000000" pitchFamily="2" charset="0"/>
+              </a:rPr>
+              <a:t>you</a:t>
+            </a:r>
+            <a:r>
+              <a:rPr lang="de-DE" sz="4900" b="1" dirty="0" smtClean="0">
+                <a:effectLst>
+                  <a:outerShdw blurRad="38100" dist="38100" dir="2700000" algn="tl">
+                    <a:srgbClr val="000000">
+                      <a:alpha val="43137"/>
+                    </a:srgbClr>
+                  </a:outerShdw>
+                </a:effectLst>
+                <a:latin typeface="160MKSDAL" panose="00000400000000000000" pitchFamily="2" charset="0"/>
+              </a:rPr>
+              <a:t> </a:t>
+            </a:r>
+            <a:r>
+              <a:rPr lang="de-DE" sz="4900" b="1" dirty="0" err="1" smtClean="0">
+                <a:effectLst>
+                  <a:outerShdw blurRad="38100" dist="38100" dir="2700000" algn="tl">
+                    <a:srgbClr val="000000">
+                      <a:alpha val="43137"/>
+                    </a:srgbClr>
+                  </a:outerShdw>
+                </a:effectLst>
+                <a:latin typeface="160MKSDAL" panose="00000400000000000000" pitchFamily="2" charset="0"/>
+              </a:rPr>
+              <a:t>for</a:t>
+            </a:r>
+            <a:r>
+              <a:rPr lang="de-DE" sz="4900" b="1" dirty="0" smtClean="0">
+                <a:effectLst>
+                  <a:outerShdw blurRad="38100" dist="38100" dir="2700000" algn="tl">
+                    <a:srgbClr val="000000">
+                      <a:alpha val="43137"/>
+                    </a:srgbClr>
+                  </a:outerShdw>
+                </a:effectLst>
+                <a:latin typeface="160MKSDAL" panose="00000400000000000000" pitchFamily="2" charset="0"/>
+              </a:rPr>
+              <a:t> </a:t>
+            </a:r>
+            <a:r>
+              <a:rPr lang="de-DE" sz="4900" b="1" dirty="0" err="1" smtClean="0">
+                <a:effectLst>
+                  <a:outerShdw blurRad="38100" dist="38100" dir="2700000" algn="tl">
+                    <a:srgbClr val="000000">
+                      <a:alpha val="43137"/>
+                    </a:srgbClr>
+                  </a:outerShdw>
+                </a:effectLst>
+                <a:latin typeface="160MKSDAL" panose="00000400000000000000" pitchFamily="2" charset="0"/>
+              </a:rPr>
+              <a:t>your</a:t>
+            </a:r>
+            <a:r>
+              <a:rPr lang="de-DE" sz="4900" b="1" dirty="0" smtClean="0">
+                <a:effectLst>
+                  <a:outerShdw blurRad="38100" dist="38100" dir="2700000" algn="tl">
+                    <a:srgbClr val="000000">
+                      <a:alpha val="43137"/>
+                    </a:srgbClr>
+                  </a:outerShdw>
+                </a:effectLst>
+                <a:latin typeface="160MKSDAL" panose="00000400000000000000" pitchFamily="2" charset="0"/>
+              </a:rPr>
+              <a:t> </a:t>
+            </a:r>
+            <a:r>
+              <a:rPr lang="de-DE" sz="4900" b="1" dirty="0" err="1" smtClean="0">
+                <a:effectLst>
+                  <a:outerShdw blurRad="38100" dist="38100" dir="2700000" algn="tl">
+                    <a:srgbClr val="000000">
+                      <a:alpha val="43137"/>
+                    </a:srgbClr>
+                  </a:outerShdw>
+                </a:effectLst>
+                <a:latin typeface="160MKSDAL" panose="00000400000000000000" pitchFamily="2" charset="0"/>
+              </a:rPr>
+              <a:t>attention</a:t>
+            </a:r>
+            <a:r>
+              <a:rPr lang="de-DE" sz="4900" b="1" dirty="0" smtClean="0">
+                <a:effectLst>
+                  <a:outerShdw blurRad="38100" dist="38100" dir="2700000" algn="tl">
+                    <a:srgbClr val="000000">
+                      <a:alpha val="43137"/>
+                    </a:srgbClr>
+                  </a:outerShdw>
+                </a:effectLst>
+                <a:latin typeface="160MKSDAL" panose="00000400000000000000" pitchFamily="2" charset="0"/>
+              </a:rPr>
+              <a:t>!</a:t>
+            </a:r>
+            <a:endParaRPr lang="en-GB" sz="2800" i="1" dirty="0">
+              <a:latin typeface="160MKSDAL" panose="00000400000000000000" pitchFamily="2" charset="0"/>
+            </a:endParaRPr>
+          </a:p>
+        </p:txBody>
+      </p:sp>
+      <p:sp>
+        <p:nvSpPr>
+          <p:cNvPr id="8" name="Rechteck 7"/>
+          <p:cNvSpPr/>
+          <p:nvPr/>
+        </p:nvSpPr>
+        <p:spPr>
+          <a:xfrm>
+            <a:off x="1933296" y="3553852"/>
+            <a:ext cx="5277407" cy="523220"/>
+          </a:xfrm>
+          <a:prstGeom prst="rect">
+            <a:avLst/>
+          </a:prstGeom>
+        </p:spPr>
+        <p:txBody>
+          <a:bodyPr wrap="none">
+            <a:spAutoFit/>
+          </a:bodyPr>
+          <a:lstStyle/>
+          <a:p>
+            <a:r>
+              <a:rPr lang="de-DE" sz="2800" i="1" dirty="0" err="1">
+                <a:effectLst>
+                  <a:outerShdw blurRad="38100" dist="38100" dir="2700000" algn="tl">
+                    <a:srgbClr val="000000">
+                      <a:alpha val="43137"/>
+                    </a:srgbClr>
+                  </a:outerShdw>
+                </a:effectLst>
+                <a:latin typeface="160MKSDAL" panose="00000400000000000000" pitchFamily="2" charset="0"/>
+              </a:rPr>
+              <a:t>And</a:t>
+            </a:r>
+            <a:r>
+              <a:rPr lang="de-DE" sz="2800" i="1" dirty="0">
+                <a:effectLst>
+                  <a:outerShdw blurRad="38100" dist="38100" dir="2700000" algn="tl">
+                    <a:srgbClr val="000000">
+                      <a:alpha val="43137"/>
+                    </a:srgbClr>
+                  </a:outerShdw>
+                </a:effectLst>
+                <a:latin typeface="160MKSDAL" panose="00000400000000000000" pitchFamily="2" charset="0"/>
+              </a:rPr>
+              <a:t> </a:t>
+            </a:r>
+            <a:r>
+              <a:rPr lang="de-DE" sz="2800" i="1" dirty="0" err="1">
+                <a:effectLst>
+                  <a:outerShdw blurRad="38100" dist="38100" dir="2700000" algn="tl">
+                    <a:srgbClr val="000000">
+                      <a:alpha val="43137"/>
+                    </a:srgbClr>
+                  </a:outerShdw>
+                </a:effectLst>
+                <a:latin typeface="160MKSDAL" panose="00000400000000000000" pitchFamily="2" charset="0"/>
+              </a:rPr>
+              <a:t>don‘t</a:t>
+            </a:r>
+            <a:r>
+              <a:rPr lang="de-DE" sz="2800" i="1" dirty="0">
+                <a:effectLst>
+                  <a:outerShdw blurRad="38100" dist="38100" dir="2700000" algn="tl">
+                    <a:srgbClr val="000000">
+                      <a:alpha val="43137"/>
+                    </a:srgbClr>
+                  </a:outerShdw>
+                </a:effectLst>
+                <a:latin typeface="160MKSDAL" panose="00000400000000000000" pitchFamily="2" charset="0"/>
+              </a:rPr>
+              <a:t> </a:t>
+            </a:r>
+            <a:r>
+              <a:rPr lang="de-DE" sz="2800" i="1" dirty="0" err="1">
+                <a:effectLst>
+                  <a:outerShdw blurRad="38100" dist="38100" dir="2700000" algn="tl">
+                    <a:srgbClr val="000000">
+                      <a:alpha val="43137"/>
+                    </a:srgbClr>
+                  </a:outerShdw>
+                </a:effectLst>
+                <a:latin typeface="160MKSDAL" panose="00000400000000000000" pitchFamily="2" charset="0"/>
+              </a:rPr>
+              <a:t>forget</a:t>
+            </a:r>
+            <a:r>
+              <a:rPr lang="de-DE" sz="2800" i="1" dirty="0">
+                <a:effectLst>
+                  <a:outerShdw blurRad="38100" dist="38100" dir="2700000" algn="tl">
+                    <a:srgbClr val="000000">
+                      <a:alpha val="43137"/>
+                    </a:srgbClr>
+                  </a:outerShdw>
+                </a:effectLst>
+                <a:latin typeface="160MKSDAL" panose="00000400000000000000" pitchFamily="2" charset="0"/>
+              </a:rPr>
+              <a:t> </a:t>
+            </a:r>
+            <a:r>
+              <a:rPr lang="de-DE" sz="2800" i="1" dirty="0" err="1">
+                <a:effectLst>
+                  <a:outerShdw blurRad="38100" dist="38100" dir="2700000" algn="tl">
+                    <a:srgbClr val="000000">
+                      <a:alpha val="43137"/>
+                    </a:srgbClr>
+                  </a:outerShdw>
+                </a:effectLst>
+                <a:latin typeface="160MKSDAL" panose="00000400000000000000" pitchFamily="2" charset="0"/>
+              </a:rPr>
+              <a:t>to</a:t>
+            </a:r>
+            <a:r>
+              <a:rPr lang="de-DE" sz="2800" dirty="0">
+                <a:effectLst>
+                  <a:outerShdw blurRad="38100" dist="38100" dir="2700000" algn="tl">
+                    <a:srgbClr val="000000">
+                      <a:alpha val="43137"/>
+                    </a:srgbClr>
+                  </a:outerShdw>
+                </a:effectLst>
+                <a:latin typeface="160MKSDAL" panose="00000400000000000000" pitchFamily="2" charset="0"/>
+              </a:rPr>
+              <a:t> </a:t>
+            </a:r>
+            <a:r>
+              <a:rPr lang="de-DE" sz="2800" i="1" dirty="0" err="1">
+                <a:solidFill>
+                  <a:schemeClr val="accent2">
+                    <a:lumMod val="50000"/>
+                  </a:schemeClr>
+                </a:solidFill>
+                <a:effectLst>
+                  <a:outerShdw blurRad="38100" dist="38100" dir="2700000" algn="tl">
+                    <a:srgbClr val="000000">
+                      <a:alpha val="43137"/>
+                    </a:srgbClr>
+                  </a:outerShdw>
+                </a:effectLst>
+                <a:latin typeface="160MKSDAL" panose="00000400000000000000" pitchFamily="2" charset="0"/>
+              </a:rPr>
+              <a:t>subscribe</a:t>
+            </a:r>
+            <a:r>
+              <a:rPr lang="de-DE" sz="2800" i="1" dirty="0">
+                <a:effectLst>
+                  <a:outerShdw blurRad="38100" dist="38100" dir="2700000" algn="tl">
+                    <a:srgbClr val="000000">
+                      <a:alpha val="43137"/>
+                    </a:srgbClr>
+                  </a:outerShdw>
+                </a:effectLst>
+                <a:latin typeface="160MKSDAL" panose="00000400000000000000" pitchFamily="2" charset="0"/>
+              </a:rPr>
+              <a:t>…</a:t>
+            </a:r>
+            <a:endParaRPr lang="en-GB" sz="2800" i="1" dirty="0">
+              <a:latin typeface="160MKSDAL" panose="00000400000000000000" pitchFamily="2" charset="0"/>
+            </a:endParaRPr>
+          </a:p>
+        </p:txBody>
+      </p:sp>
+    </p:spTree>
+    <p:extLst>
+      <p:ext uri="{BB962C8B-B14F-4D97-AF65-F5344CB8AC3E}">
+        <p14:creationId xmlns:p14="http://schemas.microsoft.com/office/powerpoint/2010/main" val="1604170836"/>
+      </p:ext>
+    </p:extLst>
+  </p:cSld>
+  <p:clrMapOvr>
+    <a:masterClrMapping/>
+  </p:clrMapOvr>
+  <mc:AlternateContent xmlns:mc="http://schemas.openxmlformats.org/markup-compatibility/2006" xmlns:p14="http://schemas.microsoft.com/office/powerpoint/2010/main">
+    <mc:Choice Requires="p14">
+      <p:transition spd="med" p14:dur="700">
+        <p:fade/>
+      </p:transition>
+    </mc:Choice>
+    <mc:Fallback xmlns="">
+      <p:transition spd="med">
+        <p:fade/>
+      </p:transition>
+    </mc:Fallback>
+  </mc:AlternateContent>
+  <p:timing>
+    <p:tnLst>
+      <p:par>
+        <p:cTn id="1" dur="indefinite" restart="never" nodeType="tmRoot">
+          <p:childTnLst>
+            <p:seq concurrent="1" nextAc="seek">
+              <p:cTn id="2" dur="indefinite" nodeType="mainSeq">
+                <p:childTnLst>
+                  <p:par>
+                    <p:cTn id="3" fill="hold">
+                      <p:stCondLst>
+                        <p:cond delay="indefinite"/>
+                        <p:cond evt="onBegin" delay="0">
+                          <p:tn val="2"/>
+                        </p:cond>
+                      </p:stCondLst>
+                      <p:childTnLst>
+                        <p:par>
+                          <p:cTn id="4" fill="hold">
+                            <p:stCondLst>
+                              <p:cond delay="0"/>
+                            </p:stCondLst>
+                            <p:childTnLst>
+                              <p:par>
+                                <p:cTn id="5" presetID="22" presetClass="entr" presetSubtype="8" fill="hold" nodeType="afterEffect">
+                                  <p:stCondLst>
+                                    <p:cond delay="0"/>
+                                  </p:stCondLst>
+                                  <p:childTnLst>
+                                    <p:set>
+                                      <p:cBhvr>
+                                        <p:cTn id="6" dur="1" fill="hold">
+                                          <p:stCondLst>
+                                            <p:cond delay="0"/>
+                                          </p:stCondLst>
+                                        </p:cTn>
+                                        <p:tgtEl>
+                                          <p:spTgt spid="7">
+                                            <p:txEl>
+                                              <p:pRg st="0" end="0"/>
+                                            </p:txEl>
+                                          </p:spTgt>
+                                        </p:tgtEl>
+                                        <p:attrNameLst>
+                                          <p:attrName>style.visibility</p:attrName>
+                                        </p:attrNameLst>
+                                      </p:cBhvr>
+                                      <p:to>
+                                        <p:strVal val="visible"/>
+                                      </p:to>
+                                    </p:set>
+                                    <p:animEffect transition="in" filter="wipe(left)">
+                                      <p:cBhvr>
+                                        <p:cTn id="7" dur="500"/>
+                                        <p:tgtEl>
+                                          <p:spTgt spid="7">
+                                            <p:txEl>
+                                              <p:pRg st="0" end="0"/>
+                                            </p:txEl>
+                                          </p:spTgt>
+                                        </p:tgtEl>
+                                      </p:cBhvr>
+                                    </p:animEffect>
+                                  </p:childTnLst>
+                                </p:cTn>
+                              </p:par>
+                            </p:childTnLst>
+                          </p:cTn>
+                        </p:par>
+                        <p:par>
+                          <p:cTn id="8" fill="hold">
+                            <p:stCondLst>
+                              <p:cond delay="500"/>
+                            </p:stCondLst>
+                            <p:childTnLst>
+                              <p:par>
+                                <p:cTn id="9" presetID="22" presetClass="entr" presetSubtype="8" fill="hold" grpId="0" nodeType="afterEffect">
+                                  <p:stCondLst>
+                                    <p:cond delay="0"/>
+                                  </p:stCondLst>
+                                  <p:childTnLst>
+                                    <p:set>
+                                      <p:cBhvr>
+                                        <p:cTn id="10" dur="1" fill="hold">
+                                          <p:stCondLst>
+                                            <p:cond delay="0"/>
+                                          </p:stCondLst>
+                                        </p:cTn>
+                                        <p:tgtEl>
+                                          <p:spTgt spid="8"/>
+                                        </p:tgtEl>
+                                        <p:attrNameLst>
+                                          <p:attrName>style.visibility</p:attrName>
+                                        </p:attrNameLst>
+                                      </p:cBhvr>
+                                      <p:to>
+                                        <p:strVal val="visible"/>
+                                      </p:to>
+                                    </p:set>
+                                    <p:animEffect transition="in" filter="wipe(left)">
+                                      <p:cBhvr>
+                                        <p:cTn id="11" dur="500"/>
+                                        <p:tgtEl>
+                                          <p:spTgt spid="8"/>
+                                        </p:tgtEl>
+                                      </p:cBhvr>
+                                    </p:animEffect>
+                                  </p:childTnLst>
+                                </p:cTn>
+                              </p:par>
+                            </p:childTnLst>
+                          </p:cTn>
+                        </p:par>
+                      </p:childTnLst>
+                    </p:cTn>
+                  </p:par>
+                </p:childTnLst>
+              </p:cTn>
+              <p:prevCondLst>
+                <p:cond evt="onPrev" delay="0">
+                  <p:tgtEl>
+                    <p:sldTgt/>
+                  </p:tgtEl>
+                </p:cond>
+              </p:prevCondLst>
+              <p:nextCondLst>
+                <p:cond evt="onNext" delay="0">
+                  <p:tgtEl>
+                    <p:sldTgt/>
+                  </p:tgtEl>
+                </p:cond>
+              </p:nextCondLst>
+            </p:seq>
+          </p:childTnLst>
+        </p:cTn>
+      </p:par>
+    </p:tnLst>
+    <p:bldLst>
+      <p:bldP spid="8" grpId="0"/>
+    </p:bldLst>
   </p:timing>
 </p:sld>
 </file>
@@ -7535,30 +9783,44 @@
           <a:p>
             <a:pPr algn="l"/>
             <a:r>
-              <a:rPr lang="de-DE" b="1" dirty="0" smtClean="0"/>
+              <a:rPr lang="de-DE" b="1" dirty="0" smtClean="0">
+                <a:latin typeface="160MKSDAL" panose="00000400000000000000" pitchFamily="2" charset="0"/>
+              </a:rPr>
               <a:t>1. </a:t>
             </a:r>
             <a:r>
-              <a:rPr lang="de-DE" b="1" dirty="0" err="1" smtClean="0"/>
+              <a:rPr lang="de-DE" b="1" dirty="0" err="1" smtClean="0">
+                <a:latin typeface="160MKSDAL" panose="00000400000000000000" pitchFamily="2" charset="0"/>
+              </a:rPr>
               <a:t>Concept</a:t>
             </a:r>
             <a:r>
-              <a:rPr lang="de-DE" b="1" dirty="0" smtClean="0"/>
+              <a:rPr lang="de-DE" b="1" dirty="0" smtClean="0">
+                <a:latin typeface="160MKSDAL" panose="00000400000000000000" pitchFamily="2" charset="0"/>
+              </a:rPr>
               <a:t> </a:t>
             </a:r>
             <a:r>
-              <a:rPr lang="de-DE" b="1" dirty="0" err="1" smtClean="0"/>
+              <a:rPr lang="de-DE" b="1" dirty="0" err="1" smtClean="0">
+                <a:latin typeface="160MKSDAL" panose="00000400000000000000" pitchFamily="2" charset="0"/>
+              </a:rPr>
               <a:t>and</a:t>
             </a:r>
             <a:r>
-              <a:rPr lang="de-DE" b="1" dirty="0" smtClean="0"/>
+              <a:rPr lang="de-DE" b="1" dirty="0" smtClean="0">
+                <a:latin typeface="160MKSDAL" panose="00000400000000000000" pitchFamily="2" charset="0"/>
+              </a:rPr>
               <a:t> </a:t>
             </a:r>
             <a:r>
-              <a:rPr lang="de-DE" b="1" dirty="0" err="1" smtClean="0"/>
+              <a:rPr lang="de-DE" b="1" dirty="0" err="1" smtClean="0">
+                <a:latin typeface="160MKSDAL" panose="00000400000000000000" pitchFamily="2" charset="0"/>
+              </a:rPr>
               <a:t>idea</a:t>
             </a:r>
-            <a:endParaRPr lang="de-DE" b="1" dirty="0" smtClean="0"/>
+            <a:endParaRPr lang="de-DE" b="1" dirty="0" smtClean="0">
+              <a:latin typeface="160MKSDAL" panose="00000400000000000000" pitchFamily="2" charset="0"/>
+            </a:endParaRPr>
           </a:p>
         </p:txBody>
       </p:sp>
@@ -7579,7 +9841,7 @@
           <a:p>
             <a:fld id="{90C92F7E-FCFE-40DD-B548-D01DFE05A789}" type="datetime1">
               <a:rPr lang="en-GB" smtClean="0"/>
-              <a:t>08/09/2025</a:t>
+              <a:t>09/09/2025</a:t>
             </a:fld>
             <a:endParaRPr lang="en-GB"/>
           </a:p>
@@ -8445,30 +10707,44 @@
           <a:p>
             <a:pPr algn="l"/>
             <a:r>
-              <a:rPr lang="de-DE" b="1" dirty="0" smtClean="0"/>
+              <a:rPr lang="de-DE" b="1" dirty="0" smtClean="0">
+                <a:latin typeface="160MKSDAL" panose="00000400000000000000" pitchFamily="2" charset="0"/>
+              </a:rPr>
               <a:t>1. </a:t>
             </a:r>
             <a:r>
-              <a:rPr lang="de-DE" b="1" dirty="0" err="1" smtClean="0"/>
+              <a:rPr lang="de-DE" b="1" dirty="0" err="1" smtClean="0">
+                <a:latin typeface="160MKSDAL" panose="00000400000000000000" pitchFamily="2" charset="0"/>
+              </a:rPr>
               <a:t>Concept</a:t>
             </a:r>
             <a:r>
-              <a:rPr lang="de-DE" b="1" dirty="0" smtClean="0"/>
+              <a:rPr lang="de-DE" b="1" dirty="0" smtClean="0">
+                <a:latin typeface="160MKSDAL" panose="00000400000000000000" pitchFamily="2" charset="0"/>
+              </a:rPr>
               <a:t> </a:t>
             </a:r>
             <a:r>
-              <a:rPr lang="de-DE" b="1" dirty="0" err="1" smtClean="0"/>
+              <a:rPr lang="de-DE" b="1" dirty="0" err="1" smtClean="0">
+                <a:latin typeface="160MKSDAL" panose="00000400000000000000" pitchFamily="2" charset="0"/>
+              </a:rPr>
               <a:t>and</a:t>
             </a:r>
             <a:r>
-              <a:rPr lang="de-DE" b="1" dirty="0" smtClean="0"/>
+              <a:rPr lang="de-DE" b="1" dirty="0" smtClean="0">
+                <a:latin typeface="160MKSDAL" panose="00000400000000000000" pitchFamily="2" charset="0"/>
+              </a:rPr>
               <a:t> </a:t>
             </a:r>
             <a:r>
-              <a:rPr lang="de-DE" b="1" dirty="0" err="1" smtClean="0"/>
+              <a:rPr lang="de-DE" b="1" dirty="0" err="1" smtClean="0">
+                <a:latin typeface="160MKSDAL" panose="00000400000000000000" pitchFamily="2" charset="0"/>
+              </a:rPr>
               <a:t>idea</a:t>
             </a:r>
-            <a:endParaRPr lang="de-DE" b="1" dirty="0" smtClean="0"/>
+            <a:endParaRPr lang="de-DE" b="1" dirty="0" smtClean="0">
+              <a:latin typeface="160MKSDAL" panose="00000400000000000000" pitchFamily="2" charset="0"/>
+            </a:endParaRPr>
           </a:p>
         </p:txBody>
       </p:sp>
@@ -8489,7 +10765,7 @@
           <a:p>
             <a:fld id="{90C92F7E-FCFE-40DD-B548-D01DFE05A789}" type="datetime1">
               <a:rPr lang="en-GB" smtClean="0"/>
-              <a:t>08/09/2025</a:t>
+              <a:t>09/09/2025</a:t>
             </a:fld>
             <a:endParaRPr lang="en-GB"/>
           </a:p>
@@ -9219,13 +11495,13 @@
   <p:clrMapOvr>
     <a:masterClrMapping/>
   </p:clrMapOvr>
-  <mc:AlternateContent xmlns:mc="http://schemas.openxmlformats.org/markup-compatibility/2006">
-    <mc:Choice xmlns:p14="http://schemas.microsoft.com/office/powerpoint/2010/main" Requires="p14">
+  <mc:AlternateContent xmlns:mc="http://schemas.openxmlformats.org/markup-compatibility/2006" xmlns:p14="http://schemas.microsoft.com/office/powerpoint/2010/main">
+    <mc:Choice Requires="p14">
       <p:transition spd="med" p14:dur="700">
         <p:fade/>
       </p:transition>
     </mc:Choice>
-    <mc:Fallback>
+    <mc:Fallback xmlns="">
       <p:transition spd="med">
         <p:fade/>
       </p:transition>
@@ -9275,30 +11551,44 @@
           <a:p>
             <a:pPr algn="l"/>
             <a:r>
-              <a:rPr lang="de-DE" b="1" dirty="0" smtClean="0"/>
+              <a:rPr lang="de-DE" b="1" dirty="0" smtClean="0">
+                <a:latin typeface="160MKSDAL" panose="00000400000000000000" pitchFamily="2" charset="0"/>
+              </a:rPr>
               <a:t>1. </a:t>
             </a:r>
             <a:r>
-              <a:rPr lang="de-DE" b="1" dirty="0" err="1" smtClean="0"/>
+              <a:rPr lang="de-DE" b="1" dirty="0" err="1" smtClean="0">
+                <a:latin typeface="160MKSDAL" panose="00000400000000000000" pitchFamily="2" charset="0"/>
+              </a:rPr>
               <a:t>Concept</a:t>
             </a:r>
             <a:r>
-              <a:rPr lang="de-DE" b="1" dirty="0" smtClean="0"/>
+              <a:rPr lang="de-DE" b="1" dirty="0" smtClean="0">
+                <a:latin typeface="160MKSDAL" panose="00000400000000000000" pitchFamily="2" charset="0"/>
+              </a:rPr>
               <a:t> </a:t>
             </a:r>
             <a:r>
-              <a:rPr lang="de-DE" b="1" dirty="0" err="1" smtClean="0"/>
+              <a:rPr lang="de-DE" b="1" dirty="0" err="1" smtClean="0">
+                <a:latin typeface="160MKSDAL" panose="00000400000000000000" pitchFamily="2" charset="0"/>
+              </a:rPr>
               <a:t>and</a:t>
             </a:r>
             <a:r>
-              <a:rPr lang="de-DE" b="1" dirty="0" smtClean="0"/>
+              <a:rPr lang="de-DE" b="1" dirty="0" smtClean="0">
+                <a:latin typeface="160MKSDAL" panose="00000400000000000000" pitchFamily="2" charset="0"/>
+              </a:rPr>
               <a:t> </a:t>
             </a:r>
             <a:r>
-              <a:rPr lang="de-DE" b="1" dirty="0" err="1" smtClean="0"/>
+              <a:rPr lang="de-DE" b="1" dirty="0" err="1" smtClean="0">
+                <a:latin typeface="160MKSDAL" panose="00000400000000000000" pitchFamily="2" charset="0"/>
+              </a:rPr>
               <a:t>idea</a:t>
             </a:r>
-            <a:endParaRPr lang="de-DE" b="1" dirty="0" smtClean="0"/>
+            <a:endParaRPr lang="de-DE" b="1" dirty="0" smtClean="0">
+              <a:latin typeface="160MKSDAL" panose="00000400000000000000" pitchFamily="2" charset="0"/>
+            </a:endParaRPr>
           </a:p>
         </p:txBody>
       </p:sp>
@@ -9319,7 +11609,7 @@
           <a:p>
             <a:fld id="{90C92F7E-FCFE-40DD-B548-D01DFE05A789}" type="datetime1">
               <a:rPr lang="en-GB" smtClean="0"/>
-              <a:t>08/09/2025</a:t>
+              <a:t>09/09/2025</a:t>
             </a:fld>
             <a:endParaRPr lang="en-GB"/>
           </a:p>
@@ -10076,13 +12366,13 @@
   <p:clrMapOvr>
     <a:masterClrMapping/>
   </p:clrMapOvr>
-  <mc:AlternateContent xmlns:mc="http://schemas.openxmlformats.org/markup-compatibility/2006">
-    <mc:Choice xmlns:p14="http://schemas.microsoft.com/office/powerpoint/2010/main" Requires="p14">
+  <mc:AlternateContent xmlns:mc="http://schemas.openxmlformats.org/markup-compatibility/2006" xmlns:p14="http://schemas.microsoft.com/office/powerpoint/2010/main">
+    <mc:Choice Requires="p14">
       <p:transition spd="med" p14:dur="700">
         <p:fade/>
       </p:transition>
     </mc:Choice>
-    <mc:Fallback>
+    <mc:Fallback xmlns="">
       <p:transition spd="med">
         <p:fade/>
       </p:transition>
@@ -10132,30 +12422,44 @@
           <a:p>
             <a:pPr algn="l"/>
             <a:r>
-              <a:rPr lang="de-DE" b="1" dirty="0" smtClean="0"/>
+              <a:rPr lang="de-DE" b="1" dirty="0" smtClean="0">
+                <a:latin typeface="160MKSDAL" panose="00000400000000000000" pitchFamily="2" charset="0"/>
+              </a:rPr>
               <a:t>1. </a:t>
             </a:r>
             <a:r>
-              <a:rPr lang="de-DE" b="1" dirty="0" err="1" smtClean="0"/>
+              <a:rPr lang="de-DE" b="1" dirty="0" err="1" smtClean="0">
+                <a:latin typeface="160MKSDAL" panose="00000400000000000000" pitchFamily="2" charset="0"/>
+              </a:rPr>
               <a:t>Concept</a:t>
             </a:r>
             <a:r>
-              <a:rPr lang="de-DE" b="1" dirty="0" smtClean="0"/>
+              <a:rPr lang="de-DE" b="1" dirty="0" smtClean="0">
+                <a:latin typeface="160MKSDAL" panose="00000400000000000000" pitchFamily="2" charset="0"/>
+              </a:rPr>
               <a:t> </a:t>
             </a:r>
             <a:r>
-              <a:rPr lang="de-DE" b="1" dirty="0" err="1" smtClean="0"/>
+              <a:rPr lang="de-DE" b="1" dirty="0" err="1" smtClean="0">
+                <a:latin typeface="160MKSDAL" panose="00000400000000000000" pitchFamily="2" charset="0"/>
+              </a:rPr>
               <a:t>and</a:t>
             </a:r>
             <a:r>
-              <a:rPr lang="de-DE" b="1" dirty="0" smtClean="0"/>
+              <a:rPr lang="de-DE" b="1" dirty="0" smtClean="0">
+                <a:latin typeface="160MKSDAL" panose="00000400000000000000" pitchFamily="2" charset="0"/>
+              </a:rPr>
               <a:t> </a:t>
             </a:r>
             <a:r>
-              <a:rPr lang="de-DE" b="1" dirty="0" err="1" smtClean="0"/>
+              <a:rPr lang="de-DE" b="1" dirty="0" err="1" smtClean="0">
+                <a:latin typeface="160MKSDAL" panose="00000400000000000000" pitchFamily="2" charset="0"/>
+              </a:rPr>
               <a:t>idea</a:t>
             </a:r>
-            <a:endParaRPr lang="de-DE" b="1" dirty="0" smtClean="0"/>
+            <a:endParaRPr lang="de-DE" b="1" dirty="0" smtClean="0">
+              <a:latin typeface="160MKSDAL" panose="00000400000000000000" pitchFamily="2" charset="0"/>
+            </a:endParaRPr>
           </a:p>
         </p:txBody>
       </p:sp>
@@ -10176,7 +12480,7 @@
           <a:p>
             <a:fld id="{90C92F7E-FCFE-40DD-B548-D01DFE05A789}" type="datetime1">
               <a:rPr lang="en-GB" smtClean="0"/>
-              <a:t>08/09/2025</a:t>
+              <a:t>09/09/2025</a:t>
             </a:fld>
             <a:endParaRPr lang="en-GB"/>
           </a:p>
@@ -10892,13 +13196,13 @@
   <p:clrMapOvr>
     <a:masterClrMapping/>
   </p:clrMapOvr>
-  <mc:AlternateContent xmlns:mc="http://schemas.openxmlformats.org/markup-compatibility/2006">
-    <mc:Choice xmlns:p14="http://schemas.microsoft.com/office/powerpoint/2010/main" Requires="p14">
+  <mc:AlternateContent xmlns:mc="http://schemas.openxmlformats.org/markup-compatibility/2006" xmlns:p14="http://schemas.microsoft.com/office/powerpoint/2010/main">
+    <mc:Choice Requires="p14">
       <p:transition spd="med" p14:dur="700">
         <p:fade/>
       </p:transition>
     </mc:Choice>
-    <mc:Fallback>
+    <mc:Fallback xmlns="">
       <p:transition spd="med">
         <p:fade/>
       </p:transition>
@@ -11165,30 +13469,44 @@
           <a:p>
             <a:pPr algn="l"/>
             <a:r>
-              <a:rPr lang="de-DE" b="1" dirty="0" smtClean="0"/>
+              <a:rPr lang="de-DE" b="1" dirty="0" smtClean="0">
+                <a:latin typeface="160MKSDAL" panose="00000400000000000000" pitchFamily="2" charset="0"/>
+              </a:rPr>
               <a:t>1. </a:t>
             </a:r>
             <a:r>
-              <a:rPr lang="de-DE" b="1" dirty="0" err="1" smtClean="0"/>
+              <a:rPr lang="de-DE" b="1" dirty="0" err="1" smtClean="0">
+                <a:latin typeface="160MKSDAL" panose="00000400000000000000" pitchFamily="2" charset="0"/>
+              </a:rPr>
               <a:t>Concept</a:t>
             </a:r>
             <a:r>
-              <a:rPr lang="de-DE" b="1" dirty="0" smtClean="0"/>
+              <a:rPr lang="de-DE" b="1" dirty="0" smtClean="0">
+                <a:latin typeface="160MKSDAL" panose="00000400000000000000" pitchFamily="2" charset="0"/>
+              </a:rPr>
               <a:t> </a:t>
             </a:r>
             <a:r>
-              <a:rPr lang="de-DE" b="1" dirty="0" err="1" smtClean="0"/>
+              <a:rPr lang="de-DE" b="1" dirty="0" err="1" smtClean="0">
+                <a:latin typeface="160MKSDAL" panose="00000400000000000000" pitchFamily="2" charset="0"/>
+              </a:rPr>
               <a:t>and</a:t>
             </a:r>
             <a:r>
-              <a:rPr lang="de-DE" b="1" dirty="0" smtClean="0"/>
+              <a:rPr lang="de-DE" b="1" dirty="0" smtClean="0">
+                <a:latin typeface="160MKSDAL" panose="00000400000000000000" pitchFamily="2" charset="0"/>
+              </a:rPr>
               <a:t> </a:t>
             </a:r>
             <a:r>
-              <a:rPr lang="de-DE" b="1" dirty="0" err="1" smtClean="0"/>
+              <a:rPr lang="de-DE" b="1" dirty="0" err="1" smtClean="0">
+                <a:latin typeface="160MKSDAL" panose="00000400000000000000" pitchFamily="2" charset="0"/>
+              </a:rPr>
               <a:t>idea</a:t>
             </a:r>
-            <a:endParaRPr lang="de-DE" b="1" dirty="0" smtClean="0"/>
+            <a:endParaRPr lang="de-DE" b="1" dirty="0" smtClean="0">
+              <a:latin typeface="160MKSDAL" panose="00000400000000000000" pitchFamily="2" charset="0"/>
+            </a:endParaRPr>
           </a:p>
         </p:txBody>
       </p:sp>
@@ -11210,37 +13528,53 @@
           <a:lstStyle/>
           <a:p>
             <a:r>
-              <a:rPr lang="de-DE" dirty="0" err="1" smtClean="0"/>
+              <a:rPr lang="de-DE" dirty="0" err="1" smtClean="0">
+                <a:latin typeface="160MKSDAL" panose="00000400000000000000" pitchFamily="2" charset="0"/>
+              </a:rPr>
               <a:t>Creational</a:t>
             </a:r>
             <a:r>
-              <a:rPr lang="de-DE" dirty="0" smtClean="0"/>
+              <a:rPr lang="de-DE" dirty="0" smtClean="0">
+                <a:latin typeface="160MKSDAL" panose="00000400000000000000" pitchFamily="2" charset="0"/>
+              </a:rPr>
               <a:t> Pattern</a:t>
             </a:r>
           </a:p>
           <a:p>
-            <a:endParaRPr lang="de-DE" dirty="0"/>
-          </a:p>
-          <a:p>
-            <a:r>
-              <a:rPr lang="de-DE" dirty="0" err="1" smtClean="0"/>
+            <a:endParaRPr lang="de-DE" dirty="0">
+              <a:latin typeface="160MKSDAL" panose="00000400000000000000" pitchFamily="2" charset="0"/>
+            </a:endParaRPr>
+          </a:p>
+          <a:p>
+            <a:r>
+              <a:rPr lang="de-DE" dirty="0" err="1" smtClean="0">
+                <a:latin typeface="160MKSDAL" panose="00000400000000000000" pitchFamily="2" charset="0"/>
+              </a:rPr>
               <a:t>Structural</a:t>
             </a:r>
             <a:r>
-              <a:rPr lang="de-DE" dirty="0" smtClean="0"/>
+              <a:rPr lang="de-DE" dirty="0" smtClean="0">
+                <a:latin typeface="160MKSDAL" panose="00000400000000000000" pitchFamily="2" charset="0"/>
+              </a:rPr>
               <a:t> Pattern</a:t>
             </a:r>
           </a:p>
           <a:p>
-            <a:endParaRPr lang="de-DE" dirty="0"/>
-          </a:p>
-          <a:p>
-            <a:r>
-              <a:rPr lang="de-DE" dirty="0" err="1" smtClean="0"/>
+            <a:endParaRPr lang="de-DE" dirty="0">
+              <a:latin typeface="160MKSDAL" panose="00000400000000000000" pitchFamily="2" charset="0"/>
+            </a:endParaRPr>
+          </a:p>
+          <a:p>
+            <a:r>
+              <a:rPr lang="de-DE" dirty="0" err="1" smtClean="0">
+                <a:latin typeface="160MKSDAL" panose="00000400000000000000" pitchFamily="2" charset="0"/>
+              </a:rPr>
               <a:t>Behavorial</a:t>
             </a:r>
             <a:r>
-              <a:rPr lang="de-DE" dirty="0" smtClean="0"/>
+              <a:rPr lang="de-DE" dirty="0" smtClean="0">
+                <a:latin typeface="160MKSDAL" panose="00000400000000000000" pitchFamily="2" charset="0"/>
+              </a:rPr>
               <a:t> Pattern</a:t>
             </a:r>
           </a:p>
@@ -11263,7 +13597,7 @@
           <a:p>
             <a:fld id="{90C92F7E-FCFE-40DD-B548-D01DFE05A789}" type="datetime1">
               <a:rPr lang="en-GB" smtClean="0"/>
-              <a:t>08/09/2025</a:t>
+              <a:t>09/09/2025</a:t>
             </a:fld>
             <a:endParaRPr lang="en-GB"/>
           </a:p>
@@ -11325,13 +13659,13 @@
   <p:clrMapOvr>
     <a:masterClrMapping/>
   </p:clrMapOvr>
-  <mc:AlternateContent xmlns:mc="http://schemas.openxmlformats.org/markup-compatibility/2006">
-    <mc:Choice xmlns:p14="http://schemas.microsoft.com/office/powerpoint/2010/main" Requires="p14">
+  <mc:AlternateContent xmlns:mc="http://schemas.openxmlformats.org/markup-compatibility/2006" xmlns:p14="http://schemas.microsoft.com/office/powerpoint/2010/main">
+    <mc:Choice Requires="p14">
       <p:transition p14:dur="100">
         <p:cut/>
       </p:transition>
     </mc:Choice>
-    <mc:Fallback>
+    <mc:Fallback xmlns="">
       <p:transition>
         <p:cut/>
       </p:transition>
@@ -11381,30 +13715,44 @@
           <a:p>
             <a:pPr algn="l"/>
             <a:r>
-              <a:rPr lang="de-DE" b="1" dirty="0" smtClean="0"/>
+              <a:rPr lang="de-DE" b="1" dirty="0" smtClean="0">
+                <a:latin typeface="160MKSDAL" panose="00000400000000000000" pitchFamily="2" charset="0"/>
+              </a:rPr>
               <a:t>1. </a:t>
             </a:r>
             <a:r>
-              <a:rPr lang="de-DE" b="1" dirty="0" err="1" smtClean="0"/>
+              <a:rPr lang="de-DE" b="1" dirty="0" err="1" smtClean="0">
+                <a:latin typeface="160MKSDAL" panose="00000400000000000000" pitchFamily="2" charset="0"/>
+              </a:rPr>
               <a:t>Concept</a:t>
             </a:r>
             <a:r>
-              <a:rPr lang="de-DE" b="1" dirty="0" smtClean="0"/>
+              <a:rPr lang="de-DE" b="1" dirty="0" smtClean="0">
+                <a:latin typeface="160MKSDAL" panose="00000400000000000000" pitchFamily="2" charset="0"/>
+              </a:rPr>
               <a:t> </a:t>
             </a:r>
             <a:r>
-              <a:rPr lang="de-DE" b="1" dirty="0" err="1" smtClean="0"/>
+              <a:rPr lang="de-DE" b="1" dirty="0" err="1" smtClean="0">
+                <a:latin typeface="160MKSDAL" panose="00000400000000000000" pitchFamily="2" charset="0"/>
+              </a:rPr>
               <a:t>and</a:t>
             </a:r>
             <a:r>
-              <a:rPr lang="de-DE" b="1" dirty="0" smtClean="0"/>
+              <a:rPr lang="de-DE" b="1" dirty="0" smtClean="0">
+                <a:latin typeface="160MKSDAL" panose="00000400000000000000" pitchFamily="2" charset="0"/>
+              </a:rPr>
               <a:t> </a:t>
             </a:r>
             <a:r>
-              <a:rPr lang="de-DE" b="1" dirty="0" err="1" smtClean="0"/>
+              <a:rPr lang="de-DE" b="1" dirty="0" err="1" smtClean="0">
+                <a:latin typeface="160MKSDAL" panose="00000400000000000000" pitchFamily="2" charset="0"/>
+              </a:rPr>
               <a:t>idea</a:t>
             </a:r>
-            <a:endParaRPr lang="de-DE" b="1" dirty="0" smtClean="0"/>
+            <a:endParaRPr lang="de-DE" b="1" dirty="0" smtClean="0">
+              <a:latin typeface="160MKSDAL" panose="00000400000000000000" pitchFamily="2" charset="0"/>
+            </a:endParaRPr>
           </a:p>
         </p:txBody>
       </p:sp>
@@ -11432,6 +13780,7 @@
                     <a:lumMod val="85000"/>
                   </a:schemeClr>
                 </a:solidFill>
+                <a:latin typeface="160MKSDAL" panose="00000400000000000000" pitchFamily="2" charset="0"/>
               </a:rPr>
               <a:t>Creational</a:t>
             </a:r>
@@ -11442,6 +13791,7 @@
                     <a:lumMod val="85000"/>
                   </a:schemeClr>
                 </a:solidFill>
+                <a:latin typeface="160MKSDAL" panose="00000400000000000000" pitchFamily="2" charset="0"/>
               </a:rPr>
               <a:t> Pattern</a:t>
             </a:r>
@@ -11453,6 +13803,7 @@
                   <a:lumMod val="85000"/>
                 </a:schemeClr>
               </a:solidFill>
+              <a:latin typeface="160MKSDAL" panose="00000400000000000000" pitchFamily="2" charset="0"/>
             </a:endParaRPr>
           </a:p>
           <a:p>
@@ -11463,6 +13814,7 @@
                     <a:lumMod val="85000"/>
                   </a:schemeClr>
                 </a:solidFill>
+                <a:latin typeface="160MKSDAL" panose="00000400000000000000" pitchFamily="2" charset="0"/>
               </a:rPr>
               <a:t>Structural</a:t>
             </a:r>
@@ -11473,62 +13825,89 @@
                     <a:lumMod val="85000"/>
                   </a:schemeClr>
                 </a:solidFill>
+                <a:latin typeface="160MKSDAL" panose="00000400000000000000" pitchFamily="2" charset="0"/>
               </a:rPr>
               <a:t> Pattern</a:t>
             </a:r>
           </a:p>
           <a:p>
-            <a:endParaRPr lang="de-DE" dirty="0"/>
-          </a:p>
-          <a:p>
-            <a:r>
-              <a:rPr lang="de-DE" dirty="0" err="1" smtClean="0"/>
+            <a:endParaRPr lang="de-DE" dirty="0">
+              <a:latin typeface="160MKSDAL" panose="00000400000000000000" pitchFamily="2" charset="0"/>
+            </a:endParaRPr>
+          </a:p>
+          <a:p>
+            <a:r>
+              <a:rPr lang="de-DE" dirty="0" err="1" smtClean="0">
+                <a:latin typeface="160MKSDAL" panose="00000400000000000000" pitchFamily="2" charset="0"/>
+              </a:rPr>
               <a:t>Behavorial</a:t>
             </a:r>
             <a:r>
-              <a:rPr lang="de-DE" dirty="0" smtClean="0"/>
+              <a:rPr lang="de-DE" dirty="0" smtClean="0">
+                <a:latin typeface="160MKSDAL" panose="00000400000000000000" pitchFamily="2" charset="0"/>
+              </a:rPr>
               <a:t> Pattern</a:t>
             </a:r>
           </a:p>
           <a:p>
             <a:pPr lvl="1"/>
             <a:r>
-              <a:rPr lang="de-DE" dirty="0" err="1" smtClean="0"/>
+              <a:rPr lang="de-DE" dirty="0" err="1" smtClean="0">
+                <a:latin typeface="160MKSDAL" panose="00000400000000000000" pitchFamily="2" charset="0"/>
+              </a:rPr>
               <a:t>Algorithm</a:t>
             </a:r>
             <a:r>
-              <a:rPr lang="de-DE" dirty="0" smtClean="0"/>
+              <a:rPr lang="de-DE" dirty="0" smtClean="0">
+                <a:latin typeface="160MKSDAL" panose="00000400000000000000" pitchFamily="2" charset="0"/>
+              </a:rPr>
               <a:t> </a:t>
             </a:r>
             <a:r>
-              <a:rPr lang="de-DE" dirty="0" err="1" smtClean="0"/>
+              <a:rPr lang="de-DE" dirty="0" err="1" smtClean="0">
+                <a:latin typeface="160MKSDAL" panose="00000400000000000000" pitchFamily="2" charset="0"/>
+              </a:rPr>
               <a:t>for</a:t>
             </a:r>
             <a:r>
-              <a:rPr lang="de-DE" dirty="0" smtClean="0"/>
+              <a:rPr lang="de-DE" dirty="0" smtClean="0">
+                <a:latin typeface="160MKSDAL" panose="00000400000000000000" pitchFamily="2" charset="0"/>
+              </a:rPr>
               <a:t> </a:t>
             </a:r>
             <a:r>
-              <a:rPr lang="de-DE" dirty="0" err="1" smtClean="0"/>
+              <a:rPr lang="de-DE" dirty="0" err="1" smtClean="0">
+                <a:latin typeface="160MKSDAL" panose="00000400000000000000" pitchFamily="2" charset="0"/>
+              </a:rPr>
               <a:t>interactions</a:t>
             </a:r>
             <a:r>
-              <a:rPr lang="de-DE" dirty="0" smtClean="0"/>
+              <a:rPr lang="de-DE" dirty="0" smtClean="0">
+                <a:latin typeface="160MKSDAL" panose="00000400000000000000" pitchFamily="2" charset="0"/>
+              </a:rPr>
               <a:t> </a:t>
             </a:r>
             <a:r>
-              <a:rPr lang="de-DE" dirty="0" err="1" smtClean="0"/>
+              <a:rPr lang="de-DE" dirty="0" err="1" smtClean="0">
+                <a:latin typeface="160MKSDAL" panose="00000400000000000000" pitchFamily="2" charset="0"/>
+              </a:rPr>
               <a:t>between</a:t>
             </a:r>
             <a:r>
-              <a:rPr lang="de-DE" dirty="0" smtClean="0"/>
+              <a:rPr lang="de-DE" dirty="0" smtClean="0">
+                <a:latin typeface="160MKSDAL" panose="00000400000000000000" pitchFamily="2" charset="0"/>
+              </a:rPr>
               <a:t> </a:t>
             </a:r>
             <a:r>
-              <a:rPr lang="de-DE" dirty="0" err="1" smtClean="0"/>
+              <a:rPr lang="de-DE" dirty="0" err="1" smtClean="0">
+                <a:latin typeface="160MKSDAL" panose="00000400000000000000" pitchFamily="2" charset="0"/>
+              </a:rPr>
               <a:t>objects</a:t>
             </a:r>
-            <a:endParaRPr lang="en-GB" dirty="0"/>
+            <a:endParaRPr lang="en-GB" dirty="0">
+              <a:latin typeface="160MKSDAL" panose="00000400000000000000" pitchFamily="2" charset="0"/>
+            </a:endParaRPr>
           </a:p>
         </p:txBody>
       </p:sp>
@@ -11549,7 +13928,7 @@
           <a:p>
             <a:fld id="{90C92F7E-FCFE-40DD-B548-D01DFE05A789}" type="datetime1">
               <a:rPr lang="en-GB" smtClean="0"/>
-              <a:t>08/09/2025</a:t>
+              <a:t>09/09/2025</a:t>
             </a:fld>
             <a:endParaRPr lang="en-GB"/>
           </a:p>
@@ -11611,13 +13990,13 @@
   <p:clrMapOvr>
     <a:masterClrMapping/>
   </p:clrMapOvr>
-  <mc:AlternateContent xmlns:mc="http://schemas.openxmlformats.org/markup-compatibility/2006">
-    <mc:Choice xmlns:p14="http://schemas.microsoft.com/office/powerpoint/2010/main" Requires="p14">
+  <mc:AlternateContent xmlns:mc="http://schemas.openxmlformats.org/markup-compatibility/2006" xmlns:p14="http://schemas.microsoft.com/office/powerpoint/2010/main">
+    <mc:Choice Requires="p14">
       <p:transition spd="med" p14:dur="700">
         <p:fade/>
       </p:transition>
     </mc:Choice>
-    <mc:Fallback>
+    <mc:Fallback xmlns="">
       <p:transition spd="med">
         <p:fade/>
       </p:transition>
@@ -11667,18 +14046,26 @@
           <a:p>
             <a:pPr algn="l"/>
             <a:r>
-              <a:rPr lang="de-DE" b="1" dirty="0" smtClean="0"/>
+              <a:rPr lang="de-DE" b="1" dirty="0" smtClean="0">
+                <a:latin typeface="160MKSDAL" panose="00000400000000000000" pitchFamily="2" charset="0"/>
+              </a:rPr>
               <a:t>2. </a:t>
             </a:r>
             <a:r>
-              <a:rPr lang="de-DE" b="1" dirty="0" err="1" smtClean="0"/>
+              <a:rPr lang="de-DE" b="1" dirty="0" err="1" smtClean="0">
+                <a:latin typeface="160MKSDAL" panose="00000400000000000000" pitchFamily="2" charset="0"/>
+              </a:rPr>
               <a:t>Use</a:t>
             </a:r>
             <a:r>
-              <a:rPr lang="de-DE" b="1" dirty="0" smtClean="0"/>
+              <a:rPr lang="de-DE" b="1" dirty="0" smtClean="0">
+                <a:latin typeface="160MKSDAL" panose="00000400000000000000" pitchFamily="2" charset="0"/>
+              </a:rPr>
               <a:t>-Cases</a:t>
             </a:r>
-            <a:endParaRPr lang="en-GB" b="1" dirty="0"/>
+            <a:endParaRPr lang="en-GB" b="1" dirty="0">
+              <a:latin typeface="160MKSDAL" panose="00000400000000000000" pitchFamily="2" charset="0"/>
+            </a:endParaRPr>
           </a:p>
         </p:txBody>
       </p:sp>
@@ -12171,7 +14558,7 @@
           <a:p>
             <a:fld id="{B76EA9ED-964D-45D5-B092-6745BDFC4427}" type="datetime1">
               <a:rPr lang="en-GB" smtClean="0"/>
-              <a:t>08/09/2025</a:t>
+              <a:t>09/09/2025</a:t>
             </a:fld>
             <a:endParaRPr lang="en-GB"/>
           </a:p>
